--- a/slides/GitHubClassroom-Instructor.pptx
+++ b/slides/GitHubClassroom-Instructor.pptx
@@ -621,7 +621,7 @@
           <a:p>
             <a:fld id="{8F7D2F49-1857-4E7D-8050-DC698401AAB7}" type="datetimeFigureOut">
               <a:rPr lang="en-US" smtClean="0"/>
-              <a:t>6/28/2023</a:t>
+              <a:t>7/10/2023</a:t>
             </a:fld>
             <a:endParaRPr lang="en-US"/>
           </a:p>
@@ -1968,7 +1968,7 @@
           <a:p>
             <a:fld id="{8F7D2F49-1857-4E7D-8050-DC698401AAB7}" type="datetimeFigureOut">
               <a:rPr lang="en-US" smtClean="0"/>
-              <a:t>6/28/2023</a:t>
+              <a:t>7/10/2023</a:t>
             </a:fld>
             <a:endParaRPr lang="en-US"/>
           </a:p>
@@ -4397,8 +4397,8 @@
         </p:nvSpPr>
         <p:spPr>
           <a:xfrm>
-            <a:off x="1156448" y="1068677"/>
-            <a:ext cx="7179478" cy="683955"/>
+            <a:off x="391886" y="1874905"/>
+            <a:ext cx="5801445" cy="2581835"/>
           </a:xfrm>
           <a:prstGeom prst="rect">
             <a:avLst/>
@@ -4433,10 +4433,57 @@
               <a:buChar char="•"/>
             </a:pPr>
             <a:r>
-              <a:rPr lang="en-US" sz="2800">
+              <a:rPr lang="en-US" sz="3200">
                 <a:latin typeface="Calibri (Body)"/>
               </a:rPr>
               <a:t>Choose Your Preferred Option</a:t>
+            </a:r>
+            <a:endParaRPr lang="en-US" sz="3200">
+              <a:latin typeface="Calibri (Body)"/>
+              <a:ea typeface="+mn-ea"/>
+              <a:cs typeface="+mn-cs"/>
+            </a:endParaRPr>
+          </a:p>
+          <a:p>
+            <a:pPr marL="684213" lvl="1" indent="-227013">
+              <a:buFont typeface="Arial" panose="020B0604020202020204" pitchFamily="34" charset="0"/>
+              <a:buChar char="•"/>
+            </a:pPr>
+            <a:r>
+              <a:rPr lang="en-US" sz="2800">
+                <a:latin typeface="Calibri (Body)"/>
+                <a:ea typeface="+mn-ea"/>
+                <a:cs typeface="+mn-cs"/>
+              </a:rPr>
+              <a:t>Clone the student repo</a:t>
+            </a:r>
+          </a:p>
+          <a:p>
+            <a:pPr marL="684213" lvl="1" indent="-227013">
+              <a:buFont typeface="Arial" panose="020B0604020202020204" pitchFamily="34" charset="0"/>
+              <a:buChar char="•"/>
+            </a:pPr>
+            <a:r>
+              <a:rPr lang="en-US" sz="2800">
+                <a:latin typeface="Calibri (Body)"/>
+                <a:ea typeface="+mn-ea"/>
+                <a:cs typeface="+mn-cs"/>
+              </a:rPr>
+              <a:t>Open with GH Desktop</a:t>
+            </a:r>
+          </a:p>
+          <a:p>
+            <a:pPr marL="684213" lvl="1" indent="-227013">
+              <a:buFont typeface="Arial" panose="020B0604020202020204" pitchFamily="34" charset="0"/>
+              <a:buChar char="•"/>
+            </a:pPr>
+            <a:r>
+              <a:rPr lang="en-US" sz="2800">
+                <a:latin typeface="Calibri (Body)"/>
+                <a:ea typeface="+mn-ea"/>
+                <a:cs typeface="+mn-cs"/>
+              </a:rPr>
+              <a:t>Download Zip</a:t>
             </a:r>
             <a:endParaRPr lang="en-US" sz="2800" dirty="0">
               <a:latin typeface="Calibri (Body)"/>
@@ -5642,7 +5689,7 @@
         </p:nvSpPr>
         <p:spPr>
           <a:xfrm>
-            <a:off x="838200" y="1147665"/>
+            <a:off x="838200" y="1416607"/>
             <a:ext cx="2493335" cy="1411237"/>
           </a:xfrm>
         </p:spPr>
@@ -5659,10 +5706,10 @@
       </p:sp>
       <p:pic>
         <p:nvPicPr>
-          <p:cNvPr id="5" name="Picture 4">
-            <a:extLst>
-              <a:ext uri="{FF2B5EF4-FFF2-40B4-BE49-F238E27FC236}">
-                <a16:creationId xmlns:a16="http://schemas.microsoft.com/office/drawing/2014/main" id="{B1D9E4D8-0E24-4079-AE16-E7264D1A7827}"/>
+          <p:cNvPr id="4" name="Picture 3">
+            <a:extLst>
+              <a:ext uri="{FF2B5EF4-FFF2-40B4-BE49-F238E27FC236}">
+                <a16:creationId xmlns:a16="http://schemas.microsoft.com/office/drawing/2014/main" id="{B778D2AD-1813-989C-1F46-B1DAF167ABAC}"/>
               </a:ext>
             </a:extLst>
           </p:cNvPr>
@@ -5679,15 +5726,17 @@
         </p:blipFill>
         <p:spPr>
           <a:xfrm>
-            <a:off x="3903809" y="1051560"/>
-            <a:ext cx="8071255" cy="4754880"/>
+            <a:off x="3659261" y="1335708"/>
+            <a:ext cx="6846999" cy="4186583"/>
           </a:xfrm>
           <a:prstGeom prst="rect">
             <a:avLst/>
           </a:prstGeom>
           <a:ln>
             <a:solidFill>
-              <a:schemeClr val="tx1"/>
+              <a:schemeClr val="tx2">
+                <a:lumMod val="50000"/>
+              </a:schemeClr>
             </a:solidFill>
           </a:ln>
         </p:spPr>

--- a/slides/GitHubClassroom-Instructor.pptx
+++ b/slides/GitHubClassroom-Instructor.pptx
@@ -24,6 +24,22 @@
     <p:sldId id="258" r:id="rId18"/>
     <p:sldId id="260" r:id="rId19"/>
     <p:sldId id="261" r:id="rId20"/>
+    <p:sldId id="310" r:id="rId21"/>
+    <p:sldId id="322" r:id="rId22"/>
+    <p:sldId id="312" r:id="rId23"/>
+    <p:sldId id="313" r:id="rId24"/>
+    <p:sldId id="315" r:id="rId25"/>
+    <p:sldId id="316" r:id="rId26"/>
+    <p:sldId id="317" r:id="rId27"/>
+    <p:sldId id="318" r:id="rId28"/>
+    <p:sldId id="319" r:id="rId29"/>
+    <p:sldId id="311" r:id="rId30"/>
+    <p:sldId id="321" r:id="rId31"/>
+    <p:sldId id="323" r:id="rId32"/>
+    <p:sldId id="324" r:id="rId33"/>
+    <p:sldId id="325" r:id="rId34"/>
+    <p:sldId id="326" r:id="rId35"/>
+    <p:sldId id="327" r:id="rId36"/>
   </p:sldIdLst>
   <p:sldSz cx="12192000" cy="6858000"/>
   <p:notesSz cx="6858000" cy="9144000"/>
@@ -621,7 +637,7 @@
           <a:p>
             <a:fld id="{8F7D2F49-1857-4E7D-8050-DC698401AAB7}" type="datetimeFigureOut">
               <a:rPr lang="en-US" smtClean="0"/>
-              <a:t>7/10/2023</a:t>
+              <a:t>7/11/2023</a:t>
             </a:fld>
             <a:endParaRPr lang="en-US"/>
           </a:p>
@@ -1968,7 +1984,7 @@
           <a:p>
             <a:fld id="{8F7D2F49-1857-4E7D-8050-DC698401AAB7}" type="datetimeFigureOut">
               <a:rPr lang="en-US" smtClean="0"/>
-              <a:t>7/10/2023</a:t>
+              <a:t>7/11/2023</a:t>
             </a:fld>
             <a:endParaRPr lang="en-US"/>
           </a:p>
@@ -4843,6 +4859,1722 @@
 </p:sld>
 </file>
 
+<file path=ppt/slides/slide20.xml><?xml version="1.0" encoding="utf-8"?>
+<p:sld xmlns:a="http://schemas.openxmlformats.org/drawingml/2006/main" xmlns:r="http://schemas.openxmlformats.org/officeDocument/2006/relationships" xmlns:p="http://schemas.openxmlformats.org/presentationml/2006/main">
+  <p:cSld>
+    <p:spTree>
+      <p:nvGrpSpPr>
+        <p:cNvPr id="1" name=""/>
+        <p:cNvGrpSpPr/>
+        <p:nvPr/>
+      </p:nvGrpSpPr>
+      <p:grpSpPr>
+        <a:xfrm>
+          <a:off x="0" y="0"/>
+          <a:ext cx="0" cy="0"/>
+          <a:chOff x="0" y="0"/>
+          <a:chExt cx="0" cy="0"/>
+        </a:xfrm>
+      </p:grpSpPr>
+      <p:sp>
+        <p:nvSpPr>
+          <p:cNvPr id="10" name="Title 9">
+            <a:extLst>
+              <a:ext uri="{FF2B5EF4-FFF2-40B4-BE49-F238E27FC236}">
+                <a16:creationId xmlns:a16="http://schemas.microsoft.com/office/drawing/2014/main" id="{02F2D10D-4622-C70D-3824-7788F8C1D975}"/>
+              </a:ext>
+            </a:extLst>
+          </p:cNvPr>
+          <p:cNvSpPr>
+            <a:spLocks noGrp="1"/>
+          </p:cNvSpPr>
+          <p:nvPr>
+            <p:ph type="title"/>
+          </p:nvPr>
+        </p:nvSpPr>
+        <p:spPr>
+          <a:xfrm>
+            <a:off x="838200" y="353340"/>
+            <a:ext cx="10515600" cy="786529"/>
+          </a:xfrm>
+        </p:spPr>
+        <p:txBody>
+          <a:bodyPr/>
+          <a:lstStyle/>
+          <a:p>
+            <a:r>
+              <a:rPr lang="en-US" sz="4400"/>
+              <a:t>GitHub Workflows</a:t>
+            </a:r>
+            <a:endParaRPr lang="en-US"/>
+          </a:p>
+        </p:txBody>
+      </p:sp>
+      <p:sp>
+        <p:nvSpPr>
+          <p:cNvPr id="11" name="Content Placeholder 10">
+            <a:extLst>
+              <a:ext uri="{FF2B5EF4-FFF2-40B4-BE49-F238E27FC236}">
+                <a16:creationId xmlns:a16="http://schemas.microsoft.com/office/drawing/2014/main" id="{DB3C99EF-126B-B73D-9611-CA9548B00306}"/>
+              </a:ext>
+            </a:extLst>
+          </p:cNvPr>
+          <p:cNvSpPr>
+            <a:spLocks noGrp="1"/>
+          </p:cNvSpPr>
+          <p:nvPr>
+            <p:ph idx="1"/>
+          </p:nvPr>
+        </p:nvSpPr>
+        <p:spPr>
+          <a:xfrm>
+            <a:off x="838200" y="1246341"/>
+            <a:ext cx="10515600" cy="4602922"/>
+          </a:xfrm>
+        </p:spPr>
+        <p:txBody>
+          <a:bodyPr>
+            <a:normAutofit fontScale="92500" lnSpcReduction="10000"/>
+          </a:bodyPr>
+          <a:lstStyle/>
+          <a:p>
+            <a:r>
+              <a:rPr lang="en-US"/>
+              <a:t>A GitHub workflow is a configurable automated process that will run one or more jobs.</a:t>
+            </a:r>
+          </a:p>
+          <a:p>
+            <a:r>
+              <a:rPr lang="en-US"/>
+              <a:t>Workflows are defined by a YAML file checked in to your repository and will run when triggered by an event in your repository, or they can be triggered manually, or at a defined schedule.</a:t>
+            </a:r>
+          </a:p>
+          <a:p>
+            <a:r>
+              <a:rPr lang="en-US"/>
+              <a:t>Workflows are defined in the .github/workflows directory in a repository, and a repository can have multiple workflows, each of which can perform a different set of tasks. </a:t>
+            </a:r>
+          </a:p>
+          <a:p>
+            <a:pPr lvl="1"/>
+            <a:r>
+              <a:rPr lang="en-US"/>
+              <a:t>You can have one workflow to build and test pull requests, another workflow to deploy your application every time a release is created, and still another workflow that adds a label every time someone opens a new issue</a:t>
+            </a:r>
+            <a:br>
+              <a:rPr lang="en-US"/>
+            </a:br>
+            <a:br>
+              <a:rPr lang="en-US"/>
+            </a:br>
+            <a:br>
+              <a:rPr lang="en-US"/>
+            </a:br>
+            <a:r>
+              <a:rPr lang="en-US" sz="2000"/>
+              <a:t>https://docs.github.com/en/actions/using-workflows/about-workflows </a:t>
+            </a:r>
+            <a:endParaRPr lang="en-US"/>
+          </a:p>
+        </p:txBody>
+      </p:sp>
+    </p:spTree>
+    <p:extLst>
+      <p:ext uri="{BB962C8B-B14F-4D97-AF65-F5344CB8AC3E}">
+        <p14:creationId xmlns:p14="http://schemas.microsoft.com/office/powerpoint/2010/main" val="3403660719"/>
+      </p:ext>
+    </p:extLst>
+  </p:cSld>
+  <p:clrMapOvr>
+    <a:masterClrMapping/>
+  </p:clrMapOvr>
+</p:sld>
+</file>
+
+<file path=ppt/slides/slide21.xml><?xml version="1.0" encoding="utf-8"?>
+<p:sld xmlns:a="http://schemas.openxmlformats.org/drawingml/2006/main" xmlns:r="http://schemas.openxmlformats.org/officeDocument/2006/relationships" xmlns:p="http://schemas.openxmlformats.org/presentationml/2006/main">
+  <p:cSld>
+    <p:spTree>
+      <p:nvGrpSpPr>
+        <p:cNvPr id="1" name=""/>
+        <p:cNvGrpSpPr/>
+        <p:nvPr/>
+      </p:nvGrpSpPr>
+      <p:grpSpPr>
+        <a:xfrm>
+          <a:off x="0" y="0"/>
+          <a:ext cx="0" cy="0"/>
+          <a:chOff x="0" y="0"/>
+          <a:chExt cx="0" cy="0"/>
+        </a:xfrm>
+      </p:grpSpPr>
+      <p:sp>
+        <p:nvSpPr>
+          <p:cNvPr id="10" name="Title 9">
+            <a:extLst>
+              <a:ext uri="{FF2B5EF4-FFF2-40B4-BE49-F238E27FC236}">
+                <a16:creationId xmlns:a16="http://schemas.microsoft.com/office/drawing/2014/main" id="{02F2D10D-4622-C70D-3824-7788F8C1D975}"/>
+              </a:ext>
+            </a:extLst>
+          </p:cNvPr>
+          <p:cNvSpPr>
+            <a:spLocks noGrp="1"/>
+          </p:cNvSpPr>
+          <p:nvPr>
+            <p:ph type="title"/>
+          </p:nvPr>
+        </p:nvSpPr>
+        <p:spPr>
+          <a:xfrm>
+            <a:off x="838200" y="353340"/>
+            <a:ext cx="10515600" cy="786529"/>
+          </a:xfrm>
+        </p:spPr>
+        <p:txBody>
+          <a:bodyPr>
+            <a:normAutofit fontScale="90000"/>
+          </a:bodyPr>
+          <a:lstStyle/>
+          <a:p>
+            <a:r>
+              <a:rPr lang="en-US" sz="4400"/>
+              <a:t>Automated Grading using Actions and Workflows</a:t>
+            </a:r>
+            <a:endParaRPr lang="en-US"/>
+          </a:p>
+        </p:txBody>
+      </p:sp>
+      <p:sp>
+        <p:nvSpPr>
+          <p:cNvPr id="11" name="Content Placeholder 10">
+            <a:extLst>
+              <a:ext uri="{FF2B5EF4-FFF2-40B4-BE49-F238E27FC236}">
+                <a16:creationId xmlns:a16="http://schemas.microsoft.com/office/drawing/2014/main" id="{DB3C99EF-126B-B73D-9611-CA9548B00306}"/>
+              </a:ext>
+            </a:extLst>
+          </p:cNvPr>
+          <p:cNvSpPr>
+            <a:spLocks noGrp="1"/>
+          </p:cNvSpPr>
+          <p:nvPr>
+            <p:ph idx="1"/>
+          </p:nvPr>
+        </p:nvSpPr>
+        <p:spPr>
+          <a:xfrm>
+            <a:off x="838200" y="1246341"/>
+            <a:ext cx="10515600" cy="4602922"/>
+          </a:xfrm>
+        </p:spPr>
+        <p:txBody>
+          <a:bodyPr>
+            <a:normAutofit fontScale="85000" lnSpcReduction="20000"/>
+          </a:bodyPr>
+          <a:lstStyle/>
+          <a:p>
+            <a:r>
+              <a:rPr lang="en-US"/>
+              <a:t>You can use autograding to automatically check a student's work for an assignment on GitHub Classroom. </a:t>
+            </a:r>
+          </a:p>
+          <a:p>
+            <a:r>
+              <a:rPr lang="en-US"/>
+              <a:t>You configure tests for an assignment, and the tests run immediately every time a student pushes to an assignment repository on GitHub.com. </a:t>
+            </a:r>
+          </a:p>
+          <a:p>
+            <a:pPr lvl="1"/>
+            <a:r>
+              <a:rPr lang="en-US"/>
+              <a:t>The student can view the test results, make changes, and push to see new results.</a:t>
+            </a:r>
+          </a:p>
+          <a:p>
+            <a:r>
+              <a:rPr lang="en-US"/>
+              <a:t>After a student accepts an assignment, on every push to the assignment repository, GitHub Actions runs the commands for your autograding test in a Linux environment containing the student's newest code. </a:t>
+            </a:r>
+          </a:p>
+          <a:p>
+            <a:r>
+              <a:rPr lang="en-US"/>
+              <a:t>GitHub Classroom creates the necessary workflows for GitHub Actions. </a:t>
+            </a:r>
+          </a:p>
+          <a:p>
+            <a:r>
+              <a:rPr lang="en-US"/>
+              <a:t>You can add, edit, or delete autograding tests for an existing assignment. </a:t>
+            </a:r>
+          </a:p>
+          <a:p>
+            <a:pPr lvl="1"/>
+            <a:r>
+              <a:rPr lang="en-US"/>
+              <a:t>(All changes made via the Classroom UI will be pushed to existing student repositories, so use caution when editing tests)</a:t>
+            </a:r>
+            <a:endParaRPr lang="en-US" sz="1100"/>
+          </a:p>
+          <a:p>
+            <a:r>
+              <a:rPr lang="en-US"/>
+              <a:t>https://docs.github.com/en/education/manage-coursework-with-github-classroom/teach-with-github-classroom/use-autograding </a:t>
+            </a:r>
+          </a:p>
+        </p:txBody>
+      </p:sp>
+    </p:spTree>
+    <p:extLst>
+      <p:ext uri="{BB962C8B-B14F-4D97-AF65-F5344CB8AC3E}">
+        <p14:creationId xmlns:p14="http://schemas.microsoft.com/office/powerpoint/2010/main" val="692548352"/>
+      </p:ext>
+    </p:extLst>
+  </p:cSld>
+  <p:clrMapOvr>
+    <a:masterClrMapping/>
+  </p:clrMapOvr>
+</p:sld>
+</file>
+
+<file path=ppt/slides/slide22.xml><?xml version="1.0" encoding="utf-8"?>
+<p:sld xmlns:a="http://schemas.openxmlformats.org/drawingml/2006/main" xmlns:r="http://schemas.openxmlformats.org/officeDocument/2006/relationships" xmlns:p="http://schemas.openxmlformats.org/presentationml/2006/main">
+  <p:cSld>
+    <p:spTree>
+      <p:nvGrpSpPr>
+        <p:cNvPr id="1" name=""/>
+        <p:cNvGrpSpPr/>
+        <p:nvPr/>
+      </p:nvGrpSpPr>
+      <p:grpSpPr>
+        <a:xfrm>
+          <a:off x="0" y="0"/>
+          <a:ext cx="0" cy="0"/>
+          <a:chOff x="0" y="0"/>
+          <a:chExt cx="0" cy="0"/>
+        </a:xfrm>
+      </p:grpSpPr>
+      <p:sp>
+        <p:nvSpPr>
+          <p:cNvPr id="2" name="Title 3">
+            <a:extLst>
+              <a:ext uri="{FF2B5EF4-FFF2-40B4-BE49-F238E27FC236}">
+                <a16:creationId xmlns:a16="http://schemas.microsoft.com/office/drawing/2014/main" id="{D10DF660-D678-95E2-0724-B10EE41958AC}"/>
+              </a:ext>
+            </a:extLst>
+          </p:cNvPr>
+          <p:cNvSpPr txBox="1">
+            <a:spLocks/>
+          </p:cNvSpPr>
+          <p:nvPr/>
+        </p:nvSpPr>
+        <p:spPr>
+          <a:xfrm>
+            <a:off x="831939" y="299184"/>
+            <a:ext cx="4742144" cy="1207699"/>
+          </a:xfrm>
+          <a:prstGeom prst="rect">
+            <a:avLst/>
+          </a:prstGeom>
+        </p:spPr>
+        <p:txBody>
+          <a:bodyPr vert="horz" lIns="91440" tIns="45720" rIns="91440" bIns="45720" rtlCol="0" anchor="ctr">
+            <a:normAutofit/>
+          </a:bodyPr>
+          <a:lstStyle>
+            <a:lvl1pPr algn="l" defTabSz="914400" rtl="0" eaLnBrk="1" latinLnBrk="0" hangingPunct="1">
+              <a:lnSpc>
+                <a:spcPct val="90000"/>
+              </a:lnSpc>
+              <a:spcBef>
+                <a:spcPct val="0"/>
+              </a:spcBef>
+              <a:buNone/>
+              <a:defRPr sz="4400" kern="1200">
+                <a:solidFill>
+                  <a:schemeClr val="tx1"/>
+                </a:solidFill>
+                <a:latin typeface="+mj-lt"/>
+                <a:ea typeface="+mj-ea"/>
+                <a:cs typeface="+mj-cs"/>
+              </a:defRPr>
+            </a:lvl1pPr>
+          </a:lstStyle>
+          <a:p>
+            <a:r>
+              <a:rPr lang="en-US" sz="3600"/>
+              <a:t>Automated Grading</a:t>
+            </a:r>
+          </a:p>
+        </p:txBody>
+      </p:sp>
+      <p:pic>
+        <p:nvPicPr>
+          <p:cNvPr id="7" name="Picture 6">
+            <a:extLst>
+              <a:ext uri="{FF2B5EF4-FFF2-40B4-BE49-F238E27FC236}">
+                <a16:creationId xmlns:a16="http://schemas.microsoft.com/office/drawing/2014/main" id="{47C2ED96-36FE-D2EA-7252-EDD6D8306486}"/>
+              </a:ext>
+            </a:extLst>
+          </p:cNvPr>
+          <p:cNvPicPr>
+            <a:picLocks noChangeAspect="1"/>
+          </p:cNvPicPr>
+          <p:nvPr/>
+        </p:nvPicPr>
+        <p:blipFill>
+          <a:blip r:embed="rId2"/>
+          <a:stretch>
+            <a:fillRect/>
+          </a:stretch>
+        </p:blipFill>
+        <p:spPr>
+          <a:xfrm>
+            <a:off x="5744692" y="299184"/>
+            <a:ext cx="5456839" cy="5536720"/>
+          </a:xfrm>
+          <a:prstGeom prst="rect">
+            <a:avLst/>
+          </a:prstGeom>
+          <a:ln>
+            <a:solidFill>
+              <a:schemeClr val="tx2">
+                <a:lumMod val="50000"/>
+              </a:schemeClr>
+            </a:solidFill>
+          </a:ln>
+        </p:spPr>
+      </p:pic>
+      <p:sp>
+        <p:nvSpPr>
+          <p:cNvPr id="8" name="Title 3">
+            <a:extLst>
+              <a:ext uri="{FF2B5EF4-FFF2-40B4-BE49-F238E27FC236}">
+                <a16:creationId xmlns:a16="http://schemas.microsoft.com/office/drawing/2014/main" id="{796CC2A3-F9B6-2D1D-F3F2-9412C75FB61F}"/>
+              </a:ext>
+            </a:extLst>
+          </p:cNvPr>
+          <p:cNvSpPr>
+            <a:spLocks noGrp="1"/>
+          </p:cNvSpPr>
+          <p:nvPr>
+            <p:ph type="title"/>
+          </p:nvPr>
+        </p:nvSpPr>
+        <p:spPr>
+          <a:xfrm>
+            <a:off x="866718" y="1760970"/>
+            <a:ext cx="4600894" cy="1207698"/>
+          </a:xfrm>
+        </p:spPr>
+        <p:txBody>
+          <a:bodyPr>
+            <a:normAutofit/>
+          </a:bodyPr>
+          <a:lstStyle/>
+          <a:p>
+            <a:pPr marL="284163" indent="-284163">
+              <a:buFont typeface="Arial" panose="020B0604020202020204" pitchFamily="34" charset="0"/>
+              <a:buChar char="•"/>
+            </a:pPr>
+            <a:r>
+              <a:rPr lang="en-US" sz="2800">
+                <a:latin typeface="Calibri (Body)"/>
+              </a:rPr>
+              <a:t>Set up the assignment as shown earlier</a:t>
+            </a:r>
+            <a:endParaRPr lang="en-US" sz="2800" dirty="0">
+              <a:latin typeface="Calibri (Body)"/>
+            </a:endParaRPr>
+          </a:p>
+        </p:txBody>
+      </p:sp>
+    </p:spTree>
+    <p:extLst>
+      <p:ext uri="{BB962C8B-B14F-4D97-AF65-F5344CB8AC3E}">
+        <p14:creationId xmlns:p14="http://schemas.microsoft.com/office/powerpoint/2010/main" val="615553905"/>
+      </p:ext>
+    </p:extLst>
+  </p:cSld>
+  <p:clrMapOvr>
+    <a:masterClrMapping/>
+  </p:clrMapOvr>
+</p:sld>
+</file>
+
+<file path=ppt/slides/slide23.xml><?xml version="1.0" encoding="utf-8"?>
+<p:sld xmlns:a="http://schemas.openxmlformats.org/drawingml/2006/main" xmlns:r="http://schemas.openxmlformats.org/officeDocument/2006/relationships" xmlns:p="http://schemas.openxmlformats.org/presentationml/2006/main">
+  <p:cSld>
+    <p:spTree>
+      <p:nvGrpSpPr>
+        <p:cNvPr id="1" name=""/>
+        <p:cNvGrpSpPr/>
+        <p:nvPr/>
+      </p:nvGrpSpPr>
+      <p:grpSpPr>
+        <a:xfrm>
+          <a:off x="0" y="0"/>
+          <a:ext cx="0" cy="0"/>
+          <a:chOff x="0" y="0"/>
+          <a:chExt cx="0" cy="0"/>
+        </a:xfrm>
+      </p:grpSpPr>
+      <p:sp>
+        <p:nvSpPr>
+          <p:cNvPr id="2" name="Title 3">
+            <a:extLst>
+              <a:ext uri="{FF2B5EF4-FFF2-40B4-BE49-F238E27FC236}">
+                <a16:creationId xmlns:a16="http://schemas.microsoft.com/office/drawing/2014/main" id="{D10DF660-D678-95E2-0724-B10EE41958AC}"/>
+              </a:ext>
+            </a:extLst>
+          </p:cNvPr>
+          <p:cNvSpPr txBox="1">
+            <a:spLocks/>
+          </p:cNvSpPr>
+          <p:nvPr/>
+        </p:nvSpPr>
+        <p:spPr>
+          <a:xfrm>
+            <a:off x="838201" y="173876"/>
+            <a:ext cx="10833847" cy="706658"/>
+          </a:xfrm>
+          <a:prstGeom prst="rect">
+            <a:avLst/>
+          </a:prstGeom>
+        </p:spPr>
+        <p:txBody>
+          <a:bodyPr vert="horz" lIns="91440" tIns="45720" rIns="91440" bIns="45720" rtlCol="0" anchor="ctr">
+            <a:normAutofit/>
+          </a:bodyPr>
+          <a:lstStyle>
+            <a:lvl1pPr algn="l" defTabSz="914400" rtl="0" eaLnBrk="1" latinLnBrk="0" hangingPunct="1">
+              <a:lnSpc>
+                <a:spcPct val="90000"/>
+              </a:lnSpc>
+              <a:spcBef>
+                <a:spcPct val="0"/>
+              </a:spcBef>
+              <a:buNone/>
+              <a:defRPr sz="4400" kern="1200">
+                <a:solidFill>
+                  <a:schemeClr val="tx1"/>
+                </a:solidFill>
+                <a:latin typeface="+mj-lt"/>
+                <a:ea typeface="+mj-ea"/>
+                <a:cs typeface="+mj-cs"/>
+              </a:defRPr>
+            </a:lvl1pPr>
+          </a:lstStyle>
+          <a:p>
+            <a:r>
+              <a:rPr lang="en-US" sz="3600"/>
+              <a:t>Automated Grading</a:t>
+            </a:r>
+          </a:p>
+        </p:txBody>
+      </p:sp>
+      <p:sp>
+        <p:nvSpPr>
+          <p:cNvPr id="8" name="Title 3">
+            <a:extLst>
+              <a:ext uri="{FF2B5EF4-FFF2-40B4-BE49-F238E27FC236}">
+                <a16:creationId xmlns:a16="http://schemas.microsoft.com/office/drawing/2014/main" id="{796CC2A3-F9B6-2D1D-F3F2-9412C75FB61F}"/>
+              </a:ext>
+            </a:extLst>
+          </p:cNvPr>
+          <p:cNvSpPr>
+            <a:spLocks noGrp="1"/>
+          </p:cNvSpPr>
+          <p:nvPr>
+            <p:ph type="title"/>
+          </p:nvPr>
+        </p:nvSpPr>
+        <p:spPr>
+          <a:xfrm>
+            <a:off x="895022" y="1094780"/>
+            <a:ext cx="7996956" cy="706658"/>
+          </a:xfrm>
+        </p:spPr>
+        <p:txBody>
+          <a:bodyPr>
+            <a:normAutofit fontScale="90000"/>
+          </a:bodyPr>
+          <a:lstStyle/>
+          <a:p>
+            <a:pPr marL="284163" indent="-284163">
+              <a:buFont typeface="Arial" panose="020B0604020202020204" pitchFamily="34" charset="0"/>
+              <a:buChar char="•"/>
+            </a:pPr>
+            <a:r>
+              <a:rPr lang="en-US" sz="2800">
+                <a:latin typeface="Calibri (Body)"/>
+              </a:rPr>
+              <a:t>Add a test in the "Set up autograding and feedback" section, choose "Input/Output test"</a:t>
+            </a:r>
+            <a:endParaRPr lang="en-US" sz="2800" dirty="0">
+              <a:latin typeface="Calibri (Body)"/>
+            </a:endParaRPr>
+          </a:p>
+        </p:txBody>
+      </p:sp>
+      <p:pic>
+        <p:nvPicPr>
+          <p:cNvPr id="4" name="Picture 3">
+            <a:extLst>
+              <a:ext uri="{FF2B5EF4-FFF2-40B4-BE49-F238E27FC236}">
+                <a16:creationId xmlns:a16="http://schemas.microsoft.com/office/drawing/2014/main" id="{A7F98101-1E57-0AC8-6008-37D85FB5E30A}"/>
+              </a:ext>
+            </a:extLst>
+          </p:cNvPr>
+          <p:cNvPicPr>
+            <a:picLocks noChangeAspect="1"/>
+          </p:cNvPicPr>
+          <p:nvPr/>
+        </p:nvPicPr>
+        <p:blipFill>
+          <a:blip r:embed="rId2"/>
+          <a:stretch>
+            <a:fillRect/>
+          </a:stretch>
+        </p:blipFill>
+        <p:spPr>
+          <a:xfrm>
+            <a:off x="2136621" y="2134266"/>
+            <a:ext cx="5513759" cy="3140611"/>
+          </a:xfrm>
+          <a:prstGeom prst="rect">
+            <a:avLst/>
+          </a:prstGeom>
+          <a:ln>
+            <a:solidFill>
+              <a:schemeClr val="tx2">
+                <a:lumMod val="50000"/>
+              </a:schemeClr>
+            </a:solidFill>
+          </a:ln>
+        </p:spPr>
+      </p:pic>
+      <p:sp>
+        <p:nvSpPr>
+          <p:cNvPr id="5" name="Oval 4">
+            <a:extLst>
+              <a:ext uri="{FF2B5EF4-FFF2-40B4-BE49-F238E27FC236}">
+                <a16:creationId xmlns:a16="http://schemas.microsoft.com/office/drawing/2014/main" id="{F138546D-B812-7143-0FAE-7B891FFE8A3A}"/>
+              </a:ext>
+            </a:extLst>
+          </p:cNvPr>
+          <p:cNvSpPr/>
+          <p:nvPr/>
+        </p:nvSpPr>
+        <p:spPr>
+          <a:xfrm>
+            <a:off x="2274152" y="4552613"/>
+            <a:ext cx="1333344" cy="608109"/>
+          </a:xfrm>
+          <a:prstGeom prst="ellipse">
+            <a:avLst/>
+          </a:prstGeom>
+          <a:noFill/>
+          <a:ln w="38100">
+            <a:solidFill>
+              <a:srgbClr val="FF0000"/>
+            </a:solidFill>
+          </a:ln>
+        </p:spPr>
+        <p:style>
+          <a:lnRef idx="2">
+            <a:schemeClr val="accent1">
+              <a:shade val="50000"/>
+            </a:schemeClr>
+          </a:lnRef>
+          <a:fillRef idx="1">
+            <a:schemeClr val="accent1"/>
+          </a:fillRef>
+          <a:effectRef idx="0">
+            <a:schemeClr val="accent1"/>
+          </a:effectRef>
+          <a:fontRef idx="minor">
+            <a:schemeClr val="lt1"/>
+          </a:fontRef>
+        </p:style>
+        <p:txBody>
+          <a:bodyPr rtlCol="0" anchor="ctr"/>
+          <a:lstStyle/>
+          <a:p>
+            <a:pPr algn="ctr"/>
+            <a:endParaRPr lang="en-US" dirty="0"/>
+          </a:p>
+        </p:txBody>
+      </p:sp>
+      <p:pic>
+        <p:nvPicPr>
+          <p:cNvPr id="9" name="Picture 8">
+            <a:extLst>
+              <a:ext uri="{FF2B5EF4-FFF2-40B4-BE49-F238E27FC236}">
+                <a16:creationId xmlns:a16="http://schemas.microsoft.com/office/drawing/2014/main" id="{48AA0F8D-69FF-5762-C73C-D52DC580A924}"/>
+              </a:ext>
+            </a:extLst>
+          </p:cNvPr>
+          <p:cNvPicPr>
+            <a:picLocks noChangeAspect="1"/>
+          </p:cNvPicPr>
+          <p:nvPr/>
+        </p:nvPicPr>
+        <p:blipFill>
+          <a:blip r:embed="rId3"/>
+          <a:stretch>
+            <a:fillRect/>
+          </a:stretch>
+        </p:blipFill>
+        <p:spPr>
+          <a:xfrm>
+            <a:off x="7961783" y="2542491"/>
+            <a:ext cx="2694285" cy="2732386"/>
+          </a:xfrm>
+          <a:prstGeom prst="rect">
+            <a:avLst/>
+          </a:prstGeom>
+          <a:ln>
+            <a:solidFill>
+              <a:schemeClr val="tx2">
+                <a:lumMod val="50000"/>
+              </a:schemeClr>
+            </a:solidFill>
+          </a:ln>
+        </p:spPr>
+      </p:pic>
+      <p:cxnSp>
+        <p:nvCxnSpPr>
+          <p:cNvPr id="11" name="Straight Arrow Connector 10">
+            <a:extLst>
+              <a:ext uri="{FF2B5EF4-FFF2-40B4-BE49-F238E27FC236}">
+                <a16:creationId xmlns:a16="http://schemas.microsoft.com/office/drawing/2014/main" id="{E6FAEC54-B6CC-9619-938E-E7281CB667FE}"/>
+              </a:ext>
+            </a:extLst>
+          </p:cNvPr>
+          <p:cNvCxnSpPr>
+            <a:cxnSpLocks/>
+            <a:stCxn id="5" idx="6"/>
+          </p:cNvCxnSpPr>
+          <p:nvPr/>
+        </p:nvCxnSpPr>
+        <p:spPr>
+          <a:xfrm flipV="1">
+            <a:off x="3607496" y="3429000"/>
+            <a:ext cx="4546948" cy="1427668"/>
+          </a:xfrm>
+          <a:prstGeom prst="straightConnector1">
+            <a:avLst/>
+          </a:prstGeom>
+          <a:ln w="38100">
+            <a:solidFill>
+              <a:srgbClr val="FF0000"/>
+            </a:solidFill>
+            <a:tailEnd type="triangle"/>
+          </a:ln>
+        </p:spPr>
+        <p:style>
+          <a:lnRef idx="1">
+            <a:schemeClr val="accent1"/>
+          </a:lnRef>
+          <a:fillRef idx="0">
+            <a:schemeClr val="accent1"/>
+          </a:fillRef>
+          <a:effectRef idx="0">
+            <a:schemeClr val="accent1"/>
+          </a:effectRef>
+          <a:fontRef idx="minor">
+            <a:schemeClr val="tx1"/>
+          </a:fontRef>
+        </p:style>
+      </p:cxnSp>
+    </p:spTree>
+    <p:extLst>
+      <p:ext uri="{BB962C8B-B14F-4D97-AF65-F5344CB8AC3E}">
+        <p14:creationId xmlns:p14="http://schemas.microsoft.com/office/powerpoint/2010/main" val="1527553510"/>
+      </p:ext>
+    </p:extLst>
+  </p:cSld>
+  <p:clrMapOvr>
+    <a:masterClrMapping/>
+  </p:clrMapOvr>
+</p:sld>
+</file>
+
+<file path=ppt/slides/slide24.xml><?xml version="1.0" encoding="utf-8"?>
+<p:sld xmlns:a="http://schemas.openxmlformats.org/drawingml/2006/main" xmlns:r="http://schemas.openxmlformats.org/officeDocument/2006/relationships" xmlns:p="http://schemas.openxmlformats.org/presentationml/2006/main">
+  <p:cSld>
+    <p:spTree>
+      <p:nvGrpSpPr>
+        <p:cNvPr id="1" name=""/>
+        <p:cNvGrpSpPr/>
+        <p:nvPr/>
+      </p:nvGrpSpPr>
+      <p:grpSpPr>
+        <a:xfrm>
+          <a:off x="0" y="0"/>
+          <a:ext cx="0" cy="0"/>
+          <a:chOff x="0" y="0"/>
+          <a:chExt cx="0" cy="0"/>
+        </a:xfrm>
+      </p:grpSpPr>
+      <p:sp>
+        <p:nvSpPr>
+          <p:cNvPr id="2" name="Title 3">
+            <a:extLst>
+              <a:ext uri="{FF2B5EF4-FFF2-40B4-BE49-F238E27FC236}">
+                <a16:creationId xmlns:a16="http://schemas.microsoft.com/office/drawing/2014/main" id="{D10DF660-D678-95E2-0724-B10EE41958AC}"/>
+              </a:ext>
+            </a:extLst>
+          </p:cNvPr>
+          <p:cNvSpPr txBox="1">
+            <a:spLocks/>
+          </p:cNvSpPr>
+          <p:nvPr/>
+        </p:nvSpPr>
+        <p:spPr>
+          <a:xfrm>
+            <a:off x="543841" y="217716"/>
+            <a:ext cx="7341294" cy="965993"/>
+          </a:xfrm>
+          <a:prstGeom prst="rect">
+            <a:avLst/>
+          </a:prstGeom>
+        </p:spPr>
+        <p:txBody>
+          <a:bodyPr vert="horz" lIns="91440" tIns="45720" rIns="91440" bIns="45720" rtlCol="0" anchor="ctr">
+            <a:normAutofit/>
+          </a:bodyPr>
+          <a:lstStyle>
+            <a:lvl1pPr algn="l" defTabSz="914400" rtl="0" eaLnBrk="1" latinLnBrk="0" hangingPunct="1">
+              <a:lnSpc>
+                <a:spcPct val="90000"/>
+              </a:lnSpc>
+              <a:spcBef>
+                <a:spcPct val="0"/>
+              </a:spcBef>
+              <a:buNone/>
+              <a:defRPr sz="4400" kern="1200">
+                <a:solidFill>
+                  <a:schemeClr val="tx1"/>
+                </a:solidFill>
+                <a:latin typeface="+mj-lt"/>
+                <a:ea typeface="+mj-ea"/>
+                <a:cs typeface="+mj-cs"/>
+              </a:defRPr>
+            </a:lvl1pPr>
+          </a:lstStyle>
+          <a:p>
+            <a:r>
+              <a:rPr lang="en-US" sz="3600"/>
+              <a:t>Automated Grading</a:t>
+            </a:r>
+          </a:p>
+        </p:txBody>
+      </p:sp>
+      <p:pic>
+        <p:nvPicPr>
+          <p:cNvPr id="11" name="Picture 10">
+            <a:extLst>
+              <a:ext uri="{FF2B5EF4-FFF2-40B4-BE49-F238E27FC236}">
+                <a16:creationId xmlns:a16="http://schemas.microsoft.com/office/drawing/2014/main" id="{3E21B653-1684-FC96-96E1-FD4DBB603EF0}"/>
+              </a:ext>
+            </a:extLst>
+          </p:cNvPr>
+          <p:cNvPicPr>
+            <a:picLocks noChangeAspect="1"/>
+          </p:cNvPicPr>
+          <p:nvPr/>
+        </p:nvPicPr>
+        <p:blipFill>
+          <a:blip r:embed="rId2"/>
+          <a:stretch>
+            <a:fillRect/>
+          </a:stretch>
+        </p:blipFill>
+        <p:spPr>
+          <a:xfrm>
+            <a:off x="7979080" y="374291"/>
+            <a:ext cx="3572117" cy="5550520"/>
+          </a:xfrm>
+          <a:prstGeom prst="rect">
+            <a:avLst/>
+          </a:prstGeom>
+        </p:spPr>
+      </p:pic>
+      <p:sp>
+        <p:nvSpPr>
+          <p:cNvPr id="15" name="Content Placeholder 14">
+            <a:extLst>
+              <a:ext uri="{FF2B5EF4-FFF2-40B4-BE49-F238E27FC236}">
+                <a16:creationId xmlns:a16="http://schemas.microsoft.com/office/drawing/2014/main" id="{03F39FC3-2893-F29A-1BAE-4825098AFD2E}"/>
+              </a:ext>
+            </a:extLst>
+          </p:cNvPr>
+          <p:cNvSpPr>
+            <a:spLocks noGrp="1"/>
+          </p:cNvSpPr>
+          <p:nvPr>
+            <p:ph idx="1"/>
+          </p:nvPr>
+        </p:nvSpPr>
+        <p:spPr>
+          <a:xfrm>
+            <a:off x="640804" y="1334023"/>
+            <a:ext cx="6924918" cy="4515240"/>
+          </a:xfrm>
+        </p:spPr>
+        <p:txBody>
+          <a:bodyPr>
+            <a:normAutofit/>
+          </a:bodyPr>
+          <a:lstStyle/>
+          <a:p>
+            <a:r>
+              <a:rPr lang="en-US"/>
+              <a:t>I used the following parameters:</a:t>
+            </a:r>
+          </a:p>
+          <a:p>
+            <a:pPr lvl="1"/>
+            <a:r>
+              <a:rPr lang="en-US"/>
+              <a:t>Test name: Simple Test</a:t>
+            </a:r>
+          </a:p>
+          <a:p>
+            <a:pPr lvl="1"/>
+            <a:r>
+              <a:rPr lang="en-US"/>
+              <a:t>Setup command: javac KitchenConverter.java</a:t>
+            </a:r>
+          </a:p>
+          <a:p>
+            <a:pPr lvl="1"/>
+            <a:r>
+              <a:rPr lang="en-US"/>
+              <a:t>(builds the students application)</a:t>
+            </a:r>
+          </a:p>
+          <a:p>
+            <a:pPr lvl="1"/>
+            <a:r>
+              <a:rPr lang="en-US"/>
+              <a:t>Run command:</a:t>
+            </a:r>
+          </a:p>
+          <a:p>
+            <a:pPr lvl="1"/>
+            <a:r>
+              <a:rPr lang="en-US"/>
+              <a:t>java KitchenConverter 5.5   (application requires command line input)</a:t>
+            </a:r>
+          </a:p>
+          <a:p>
+            <a:pPr lvl="1"/>
+            <a:r>
+              <a:rPr lang="en-US"/>
+              <a:t>Expected output: 5.50 cups is 88.00 tablespoons</a:t>
+            </a:r>
+          </a:p>
+          <a:p>
+            <a:pPr lvl="1"/>
+            <a:r>
+              <a:rPr lang="en-US"/>
+              <a:t>Timeout: 10 minutes (default)</a:t>
+            </a:r>
+          </a:p>
+          <a:p>
+            <a:pPr lvl="1"/>
+            <a:r>
+              <a:rPr lang="en-US"/>
+              <a:t>Points (optional): not specified</a:t>
+            </a:r>
+          </a:p>
+        </p:txBody>
+      </p:sp>
+    </p:spTree>
+    <p:extLst>
+      <p:ext uri="{BB962C8B-B14F-4D97-AF65-F5344CB8AC3E}">
+        <p14:creationId xmlns:p14="http://schemas.microsoft.com/office/powerpoint/2010/main" val="3930067443"/>
+      </p:ext>
+    </p:extLst>
+  </p:cSld>
+  <p:clrMapOvr>
+    <a:masterClrMapping/>
+  </p:clrMapOvr>
+</p:sld>
+</file>
+
+<file path=ppt/slides/slide25.xml><?xml version="1.0" encoding="utf-8"?>
+<p:sld xmlns:a="http://schemas.openxmlformats.org/drawingml/2006/main" xmlns:r="http://schemas.openxmlformats.org/officeDocument/2006/relationships" xmlns:p="http://schemas.openxmlformats.org/presentationml/2006/main">
+  <p:cSld>
+    <p:spTree>
+      <p:nvGrpSpPr>
+        <p:cNvPr id="1" name=""/>
+        <p:cNvGrpSpPr/>
+        <p:nvPr/>
+      </p:nvGrpSpPr>
+      <p:grpSpPr>
+        <a:xfrm>
+          <a:off x="0" y="0"/>
+          <a:ext cx="0" cy="0"/>
+          <a:chOff x="0" y="0"/>
+          <a:chExt cx="0" cy="0"/>
+        </a:xfrm>
+      </p:grpSpPr>
+      <p:sp>
+        <p:nvSpPr>
+          <p:cNvPr id="2" name="Title 3">
+            <a:extLst>
+              <a:ext uri="{FF2B5EF4-FFF2-40B4-BE49-F238E27FC236}">
+                <a16:creationId xmlns:a16="http://schemas.microsoft.com/office/drawing/2014/main" id="{D10DF660-D678-95E2-0724-B10EE41958AC}"/>
+              </a:ext>
+            </a:extLst>
+          </p:cNvPr>
+          <p:cNvSpPr txBox="1">
+            <a:spLocks/>
+          </p:cNvSpPr>
+          <p:nvPr/>
+        </p:nvSpPr>
+        <p:spPr>
+          <a:xfrm>
+            <a:off x="838201" y="173876"/>
+            <a:ext cx="10833847" cy="706658"/>
+          </a:xfrm>
+          <a:prstGeom prst="rect">
+            <a:avLst/>
+          </a:prstGeom>
+        </p:spPr>
+        <p:txBody>
+          <a:bodyPr vert="horz" lIns="91440" tIns="45720" rIns="91440" bIns="45720" rtlCol="0" anchor="ctr">
+            <a:normAutofit/>
+          </a:bodyPr>
+          <a:lstStyle>
+            <a:lvl1pPr algn="l" defTabSz="914400" rtl="0" eaLnBrk="1" latinLnBrk="0" hangingPunct="1">
+              <a:lnSpc>
+                <a:spcPct val="90000"/>
+              </a:lnSpc>
+              <a:spcBef>
+                <a:spcPct val="0"/>
+              </a:spcBef>
+              <a:buNone/>
+              <a:defRPr sz="4400" kern="1200">
+                <a:solidFill>
+                  <a:schemeClr val="tx1"/>
+                </a:solidFill>
+                <a:latin typeface="+mj-lt"/>
+                <a:ea typeface="+mj-ea"/>
+                <a:cs typeface="+mj-cs"/>
+              </a:defRPr>
+            </a:lvl1pPr>
+          </a:lstStyle>
+          <a:p>
+            <a:r>
+              <a:rPr lang="en-US" sz="3600"/>
+              <a:t>Automated Grading</a:t>
+            </a:r>
+          </a:p>
+        </p:txBody>
+      </p:sp>
+      <p:sp>
+        <p:nvSpPr>
+          <p:cNvPr id="8" name="Title 3">
+            <a:extLst>
+              <a:ext uri="{FF2B5EF4-FFF2-40B4-BE49-F238E27FC236}">
+                <a16:creationId xmlns:a16="http://schemas.microsoft.com/office/drawing/2014/main" id="{796CC2A3-F9B6-2D1D-F3F2-9412C75FB61F}"/>
+              </a:ext>
+            </a:extLst>
+          </p:cNvPr>
+          <p:cNvSpPr>
+            <a:spLocks noGrp="1"/>
+          </p:cNvSpPr>
+          <p:nvPr>
+            <p:ph type="title"/>
+          </p:nvPr>
+        </p:nvSpPr>
+        <p:spPr>
+          <a:xfrm>
+            <a:off x="1572929" y="1115880"/>
+            <a:ext cx="7996956" cy="706658"/>
+          </a:xfrm>
+        </p:spPr>
+        <p:txBody>
+          <a:bodyPr>
+            <a:normAutofit fontScale="90000"/>
+          </a:bodyPr>
+          <a:lstStyle/>
+          <a:p>
+            <a:pPr marL="284163" indent="-284163">
+              <a:buFont typeface="Arial" panose="020B0604020202020204" pitchFamily="34" charset="0"/>
+              <a:buChar char="•"/>
+            </a:pPr>
+            <a:r>
+              <a:rPr lang="en-US" sz="2800">
+                <a:latin typeface="Calibri (Body)"/>
+              </a:rPr>
+              <a:t>The assignment repo is created with two folders: .github/classroom and .github/workflows</a:t>
+            </a:r>
+            <a:endParaRPr lang="en-US" sz="2800" dirty="0">
+              <a:latin typeface="Calibri (Body)"/>
+            </a:endParaRPr>
+          </a:p>
+        </p:txBody>
+      </p:sp>
+      <p:pic>
+        <p:nvPicPr>
+          <p:cNvPr id="6" name="Picture 5">
+            <a:extLst>
+              <a:ext uri="{FF2B5EF4-FFF2-40B4-BE49-F238E27FC236}">
+                <a16:creationId xmlns:a16="http://schemas.microsoft.com/office/drawing/2014/main" id="{56C02339-F983-6505-2BD9-327C90FD232D}"/>
+              </a:ext>
+            </a:extLst>
+          </p:cNvPr>
+          <p:cNvPicPr>
+            <a:picLocks noChangeAspect="1"/>
+          </p:cNvPicPr>
+          <p:nvPr/>
+        </p:nvPicPr>
+        <p:blipFill>
+          <a:blip r:embed="rId2"/>
+          <a:stretch>
+            <a:fillRect/>
+          </a:stretch>
+        </p:blipFill>
+        <p:spPr>
+          <a:xfrm>
+            <a:off x="2067384" y="2126923"/>
+            <a:ext cx="6215905" cy="3167826"/>
+          </a:xfrm>
+          <a:prstGeom prst="rect">
+            <a:avLst/>
+          </a:prstGeom>
+          <a:ln>
+            <a:solidFill>
+              <a:schemeClr val="tx2">
+                <a:lumMod val="50000"/>
+              </a:schemeClr>
+            </a:solidFill>
+          </a:ln>
+        </p:spPr>
+      </p:pic>
+    </p:spTree>
+    <p:extLst>
+      <p:ext uri="{BB962C8B-B14F-4D97-AF65-F5344CB8AC3E}">
+        <p14:creationId xmlns:p14="http://schemas.microsoft.com/office/powerpoint/2010/main" val="1919731694"/>
+      </p:ext>
+    </p:extLst>
+  </p:cSld>
+  <p:clrMapOvr>
+    <a:masterClrMapping/>
+  </p:clrMapOvr>
+</p:sld>
+</file>
+
+<file path=ppt/slides/slide26.xml><?xml version="1.0" encoding="utf-8"?>
+<p:sld xmlns:a="http://schemas.openxmlformats.org/drawingml/2006/main" xmlns:r="http://schemas.openxmlformats.org/officeDocument/2006/relationships" xmlns:p="http://schemas.openxmlformats.org/presentationml/2006/main">
+  <p:cSld>
+    <p:spTree>
+      <p:nvGrpSpPr>
+        <p:cNvPr id="1" name=""/>
+        <p:cNvGrpSpPr/>
+        <p:nvPr/>
+      </p:nvGrpSpPr>
+      <p:grpSpPr>
+        <a:xfrm>
+          <a:off x="0" y="0"/>
+          <a:ext cx="0" cy="0"/>
+          <a:chOff x="0" y="0"/>
+          <a:chExt cx="0" cy="0"/>
+        </a:xfrm>
+      </p:grpSpPr>
+      <p:sp>
+        <p:nvSpPr>
+          <p:cNvPr id="2" name="Title 3">
+            <a:extLst>
+              <a:ext uri="{FF2B5EF4-FFF2-40B4-BE49-F238E27FC236}">
+                <a16:creationId xmlns:a16="http://schemas.microsoft.com/office/drawing/2014/main" id="{D10DF660-D678-95E2-0724-B10EE41958AC}"/>
+              </a:ext>
+            </a:extLst>
+          </p:cNvPr>
+          <p:cNvSpPr txBox="1">
+            <a:spLocks/>
+          </p:cNvSpPr>
+          <p:nvPr/>
+        </p:nvSpPr>
+        <p:spPr>
+          <a:xfrm>
+            <a:off x="838201" y="173876"/>
+            <a:ext cx="10833847" cy="706658"/>
+          </a:xfrm>
+          <a:prstGeom prst="rect">
+            <a:avLst/>
+          </a:prstGeom>
+        </p:spPr>
+        <p:txBody>
+          <a:bodyPr vert="horz" lIns="91440" tIns="45720" rIns="91440" bIns="45720" rtlCol="0" anchor="ctr">
+            <a:normAutofit/>
+          </a:bodyPr>
+          <a:lstStyle>
+            <a:lvl1pPr algn="l" defTabSz="914400" rtl="0" eaLnBrk="1" latinLnBrk="0" hangingPunct="1">
+              <a:lnSpc>
+                <a:spcPct val="90000"/>
+              </a:lnSpc>
+              <a:spcBef>
+                <a:spcPct val="0"/>
+              </a:spcBef>
+              <a:buNone/>
+              <a:defRPr sz="4400" kern="1200">
+                <a:solidFill>
+                  <a:schemeClr val="tx1"/>
+                </a:solidFill>
+                <a:latin typeface="+mj-lt"/>
+                <a:ea typeface="+mj-ea"/>
+                <a:cs typeface="+mj-cs"/>
+              </a:defRPr>
+            </a:lvl1pPr>
+          </a:lstStyle>
+          <a:p>
+            <a:r>
+              <a:rPr lang="en-US" sz="3600"/>
+              <a:t>Automated Grading using Workflows</a:t>
+            </a:r>
+          </a:p>
+        </p:txBody>
+      </p:sp>
+      <p:pic>
+        <p:nvPicPr>
+          <p:cNvPr id="4" name="Picture 3">
+            <a:extLst>
+              <a:ext uri="{FF2B5EF4-FFF2-40B4-BE49-F238E27FC236}">
+                <a16:creationId xmlns:a16="http://schemas.microsoft.com/office/drawing/2014/main" id="{BF043FEF-4C8B-C060-1628-ADC8856B1264}"/>
+              </a:ext>
+            </a:extLst>
+          </p:cNvPr>
+          <p:cNvPicPr>
+            <a:picLocks noChangeAspect="1"/>
+          </p:cNvPicPr>
+          <p:nvPr/>
+        </p:nvPicPr>
+        <p:blipFill>
+          <a:blip r:embed="rId2"/>
+          <a:stretch>
+            <a:fillRect/>
+          </a:stretch>
+        </p:blipFill>
+        <p:spPr>
+          <a:xfrm>
+            <a:off x="2449488" y="1999345"/>
+            <a:ext cx="7380707" cy="3635924"/>
+          </a:xfrm>
+          <a:prstGeom prst="rect">
+            <a:avLst/>
+          </a:prstGeom>
+          <a:ln>
+            <a:solidFill>
+              <a:schemeClr val="tx2">
+                <a:lumMod val="50000"/>
+              </a:schemeClr>
+            </a:solidFill>
+          </a:ln>
+        </p:spPr>
+      </p:pic>
+      <p:sp>
+        <p:nvSpPr>
+          <p:cNvPr id="9" name="Title 3">
+            <a:extLst>
+              <a:ext uri="{FF2B5EF4-FFF2-40B4-BE49-F238E27FC236}">
+                <a16:creationId xmlns:a16="http://schemas.microsoft.com/office/drawing/2014/main" id="{A9AFBB85-880F-8523-4E37-A6901B3D2CF7}"/>
+              </a:ext>
+            </a:extLst>
+          </p:cNvPr>
+          <p:cNvSpPr>
+            <a:spLocks noGrp="1"/>
+          </p:cNvSpPr>
+          <p:nvPr>
+            <p:ph type="title"/>
+          </p:nvPr>
+        </p:nvSpPr>
+        <p:spPr>
+          <a:xfrm>
+            <a:off x="1572929" y="1115880"/>
+            <a:ext cx="7996956" cy="706658"/>
+          </a:xfrm>
+        </p:spPr>
+        <p:txBody>
+          <a:bodyPr>
+            <a:normAutofit/>
+          </a:bodyPr>
+          <a:lstStyle/>
+          <a:p>
+            <a:pPr marL="284163" indent="-284163">
+              <a:buFont typeface="Arial" panose="020B0604020202020204" pitchFamily="34" charset="0"/>
+              <a:buChar char="•"/>
+            </a:pPr>
+            <a:r>
+              <a:rPr lang="en-US" sz="2800">
+                <a:latin typeface="Calibri (Body)"/>
+              </a:rPr>
+              <a:t>The classroom folder contains a JSON input file</a:t>
+            </a:r>
+            <a:endParaRPr lang="en-US" sz="2800" dirty="0">
+              <a:latin typeface="Calibri (Body)"/>
+            </a:endParaRPr>
+          </a:p>
+        </p:txBody>
+      </p:sp>
+    </p:spTree>
+    <p:extLst>
+      <p:ext uri="{BB962C8B-B14F-4D97-AF65-F5344CB8AC3E}">
+        <p14:creationId xmlns:p14="http://schemas.microsoft.com/office/powerpoint/2010/main" val="713096528"/>
+      </p:ext>
+    </p:extLst>
+  </p:cSld>
+  <p:clrMapOvr>
+    <a:masterClrMapping/>
+  </p:clrMapOvr>
+</p:sld>
+</file>
+
+<file path=ppt/slides/slide27.xml><?xml version="1.0" encoding="utf-8"?>
+<p:sld xmlns:a="http://schemas.openxmlformats.org/drawingml/2006/main" xmlns:r="http://schemas.openxmlformats.org/officeDocument/2006/relationships" xmlns:p="http://schemas.openxmlformats.org/presentationml/2006/main">
+  <p:cSld>
+    <p:spTree>
+      <p:nvGrpSpPr>
+        <p:cNvPr id="1" name=""/>
+        <p:cNvGrpSpPr/>
+        <p:nvPr/>
+      </p:nvGrpSpPr>
+      <p:grpSpPr>
+        <a:xfrm>
+          <a:off x="0" y="0"/>
+          <a:ext cx="0" cy="0"/>
+          <a:chOff x="0" y="0"/>
+          <a:chExt cx="0" cy="0"/>
+        </a:xfrm>
+      </p:grpSpPr>
+      <p:sp>
+        <p:nvSpPr>
+          <p:cNvPr id="2" name="Title 3">
+            <a:extLst>
+              <a:ext uri="{FF2B5EF4-FFF2-40B4-BE49-F238E27FC236}">
+                <a16:creationId xmlns:a16="http://schemas.microsoft.com/office/drawing/2014/main" id="{D10DF660-D678-95E2-0724-B10EE41958AC}"/>
+              </a:ext>
+            </a:extLst>
+          </p:cNvPr>
+          <p:cNvSpPr txBox="1">
+            <a:spLocks/>
+          </p:cNvSpPr>
+          <p:nvPr/>
+        </p:nvSpPr>
+        <p:spPr>
+          <a:xfrm>
+            <a:off x="838201" y="173876"/>
+            <a:ext cx="10833847" cy="706658"/>
+          </a:xfrm>
+          <a:prstGeom prst="rect">
+            <a:avLst/>
+          </a:prstGeom>
+        </p:spPr>
+        <p:txBody>
+          <a:bodyPr vert="horz" lIns="91440" tIns="45720" rIns="91440" bIns="45720" rtlCol="0" anchor="ctr">
+            <a:normAutofit/>
+          </a:bodyPr>
+          <a:lstStyle>
+            <a:lvl1pPr algn="l" defTabSz="914400" rtl="0" eaLnBrk="1" latinLnBrk="0" hangingPunct="1">
+              <a:lnSpc>
+                <a:spcPct val="90000"/>
+              </a:lnSpc>
+              <a:spcBef>
+                <a:spcPct val="0"/>
+              </a:spcBef>
+              <a:buNone/>
+              <a:defRPr sz="4400" kern="1200">
+                <a:solidFill>
+                  <a:schemeClr val="tx1"/>
+                </a:solidFill>
+                <a:latin typeface="+mj-lt"/>
+                <a:ea typeface="+mj-ea"/>
+                <a:cs typeface="+mj-cs"/>
+              </a:defRPr>
+            </a:lvl1pPr>
+          </a:lstStyle>
+          <a:p>
+            <a:r>
+              <a:rPr lang="en-US" sz="3600"/>
+              <a:t>Automated Grading</a:t>
+            </a:r>
+          </a:p>
+        </p:txBody>
+      </p:sp>
+      <p:pic>
+        <p:nvPicPr>
+          <p:cNvPr id="5" name="Picture 4">
+            <a:extLst>
+              <a:ext uri="{FF2B5EF4-FFF2-40B4-BE49-F238E27FC236}">
+                <a16:creationId xmlns:a16="http://schemas.microsoft.com/office/drawing/2014/main" id="{4BE375E1-481D-7932-35CA-A44F828F31B5}"/>
+              </a:ext>
+            </a:extLst>
+          </p:cNvPr>
+          <p:cNvPicPr>
+            <a:picLocks noChangeAspect="1"/>
+          </p:cNvPicPr>
+          <p:nvPr/>
+        </p:nvPicPr>
+        <p:blipFill>
+          <a:blip r:embed="rId2"/>
+          <a:stretch>
+            <a:fillRect/>
+          </a:stretch>
+        </p:blipFill>
+        <p:spPr>
+          <a:xfrm>
+            <a:off x="3899168" y="1048992"/>
+            <a:ext cx="7202488" cy="4509495"/>
+          </a:xfrm>
+          <a:prstGeom prst="rect">
+            <a:avLst/>
+          </a:prstGeom>
+          <a:ln>
+            <a:solidFill>
+              <a:schemeClr val="tx2">
+                <a:lumMod val="50000"/>
+              </a:schemeClr>
+            </a:solidFill>
+          </a:ln>
+        </p:spPr>
+      </p:pic>
+      <p:sp>
+        <p:nvSpPr>
+          <p:cNvPr id="7" name="TextBox 6">
+            <a:extLst>
+              <a:ext uri="{FF2B5EF4-FFF2-40B4-BE49-F238E27FC236}">
+                <a16:creationId xmlns:a16="http://schemas.microsoft.com/office/drawing/2014/main" id="{406A1628-3662-2DA4-574F-11D630C7EF77}"/>
+              </a:ext>
+            </a:extLst>
+          </p:cNvPr>
+          <p:cNvSpPr txBox="1"/>
+          <p:nvPr/>
+        </p:nvSpPr>
+        <p:spPr>
+          <a:xfrm>
+            <a:off x="932148" y="1008220"/>
+            <a:ext cx="2525036" cy="523220"/>
+          </a:xfrm>
+          <a:prstGeom prst="rect">
+            <a:avLst/>
+          </a:prstGeom>
+          <a:noFill/>
+        </p:spPr>
+        <p:txBody>
+          <a:bodyPr wrap="square">
+            <a:spAutoFit/>
+          </a:bodyPr>
+          <a:lstStyle/>
+          <a:p>
+            <a:pPr marL="169863" indent="-169863">
+              <a:buFont typeface="Arial" panose="020B0604020202020204" pitchFamily="34" charset="0"/>
+              <a:buChar char="•"/>
+            </a:pPr>
+            <a:r>
+              <a:rPr lang="en-US" sz="2800"/>
+              <a:t>JSON input file</a:t>
+            </a:r>
+          </a:p>
+        </p:txBody>
+      </p:sp>
+    </p:spTree>
+    <p:extLst>
+      <p:ext uri="{BB962C8B-B14F-4D97-AF65-F5344CB8AC3E}">
+        <p14:creationId xmlns:p14="http://schemas.microsoft.com/office/powerpoint/2010/main" val="3187325286"/>
+      </p:ext>
+    </p:extLst>
+  </p:cSld>
+  <p:clrMapOvr>
+    <a:masterClrMapping/>
+  </p:clrMapOvr>
+</p:sld>
+</file>
+
+<file path=ppt/slides/slide28.xml><?xml version="1.0" encoding="utf-8"?>
+<p:sld xmlns:a="http://schemas.openxmlformats.org/drawingml/2006/main" xmlns:r="http://schemas.openxmlformats.org/officeDocument/2006/relationships" xmlns:p="http://schemas.openxmlformats.org/presentationml/2006/main">
+  <p:cSld>
+    <p:spTree>
+      <p:nvGrpSpPr>
+        <p:cNvPr id="1" name=""/>
+        <p:cNvGrpSpPr/>
+        <p:nvPr/>
+      </p:nvGrpSpPr>
+      <p:grpSpPr>
+        <a:xfrm>
+          <a:off x="0" y="0"/>
+          <a:ext cx="0" cy="0"/>
+          <a:chOff x="0" y="0"/>
+          <a:chExt cx="0" cy="0"/>
+        </a:xfrm>
+      </p:grpSpPr>
+      <p:sp>
+        <p:nvSpPr>
+          <p:cNvPr id="2" name="Title 3">
+            <a:extLst>
+              <a:ext uri="{FF2B5EF4-FFF2-40B4-BE49-F238E27FC236}">
+                <a16:creationId xmlns:a16="http://schemas.microsoft.com/office/drawing/2014/main" id="{D10DF660-D678-95E2-0724-B10EE41958AC}"/>
+              </a:ext>
+            </a:extLst>
+          </p:cNvPr>
+          <p:cNvSpPr txBox="1">
+            <a:spLocks/>
+          </p:cNvSpPr>
+          <p:nvPr/>
+        </p:nvSpPr>
+        <p:spPr>
+          <a:xfrm>
+            <a:off x="838201" y="173876"/>
+            <a:ext cx="10833847" cy="706658"/>
+          </a:xfrm>
+          <a:prstGeom prst="rect">
+            <a:avLst/>
+          </a:prstGeom>
+        </p:spPr>
+        <p:txBody>
+          <a:bodyPr vert="horz" lIns="91440" tIns="45720" rIns="91440" bIns="45720" rtlCol="0" anchor="ctr">
+            <a:normAutofit/>
+          </a:bodyPr>
+          <a:lstStyle>
+            <a:lvl1pPr algn="l" defTabSz="914400" rtl="0" eaLnBrk="1" latinLnBrk="0" hangingPunct="1">
+              <a:lnSpc>
+                <a:spcPct val="90000"/>
+              </a:lnSpc>
+              <a:spcBef>
+                <a:spcPct val="0"/>
+              </a:spcBef>
+              <a:buNone/>
+              <a:defRPr sz="4400" kern="1200">
+                <a:solidFill>
+                  <a:schemeClr val="tx1"/>
+                </a:solidFill>
+                <a:latin typeface="+mj-lt"/>
+                <a:ea typeface="+mj-ea"/>
+                <a:cs typeface="+mj-cs"/>
+              </a:defRPr>
+            </a:lvl1pPr>
+          </a:lstStyle>
+          <a:p>
+            <a:r>
+              <a:rPr lang="en-US" sz="3600"/>
+              <a:t>Automated Grading</a:t>
+            </a:r>
+          </a:p>
+        </p:txBody>
+      </p:sp>
+      <p:pic>
+        <p:nvPicPr>
+          <p:cNvPr id="4" name="Picture 3">
+            <a:extLst>
+              <a:ext uri="{FF2B5EF4-FFF2-40B4-BE49-F238E27FC236}">
+                <a16:creationId xmlns:a16="http://schemas.microsoft.com/office/drawing/2014/main" id="{C3FA83FE-8E36-E3AC-0AC0-250F9F976ADC}"/>
+              </a:ext>
+            </a:extLst>
+          </p:cNvPr>
+          <p:cNvPicPr>
+            <a:picLocks noChangeAspect="1"/>
+          </p:cNvPicPr>
+          <p:nvPr/>
+        </p:nvPicPr>
+        <p:blipFill>
+          <a:blip r:embed="rId2"/>
+          <a:stretch>
+            <a:fillRect/>
+          </a:stretch>
+        </p:blipFill>
+        <p:spPr>
+          <a:xfrm>
+            <a:off x="1962698" y="1971054"/>
+            <a:ext cx="7217417" cy="3064409"/>
+          </a:xfrm>
+          <a:prstGeom prst="rect">
+            <a:avLst/>
+          </a:prstGeom>
+        </p:spPr>
+      </p:pic>
+      <p:sp>
+        <p:nvSpPr>
+          <p:cNvPr id="6" name="Title 3">
+            <a:extLst>
+              <a:ext uri="{FF2B5EF4-FFF2-40B4-BE49-F238E27FC236}">
+                <a16:creationId xmlns:a16="http://schemas.microsoft.com/office/drawing/2014/main" id="{E056F7B4-09F9-3222-6BBA-E75835CA2636}"/>
+              </a:ext>
+            </a:extLst>
+          </p:cNvPr>
+          <p:cNvSpPr>
+            <a:spLocks noGrp="1"/>
+          </p:cNvSpPr>
+          <p:nvPr>
+            <p:ph type="title"/>
+          </p:nvPr>
+        </p:nvSpPr>
+        <p:spPr>
+          <a:xfrm>
+            <a:off x="1572929" y="1115880"/>
+            <a:ext cx="7996956" cy="706658"/>
+          </a:xfrm>
+        </p:spPr>
+        <p:txBody>
+          <a:bodyPr>
+            <a:normAutofit/>
+          </a:bodyPr>
+          <a:lstStyle/>
+          <a:p>
+            <a:pPr marL="284163" indent="-284163">
+              <a:buFont typeface="Arial" panose="020B0604020202020204" pitchFamily="34" charset="0"/>
+              <a:buChar char="•"/>
+            </a:pPr>
+            <a:r>
+              <a:rPr lang="en-US" sz="2800">
+                <a:latin typeface="Calibri (Body)"/>
+              </a:rPr>
+              <a:t>The workflows folder contains a YAML workflow file</a:t>
+            </a:r>
+            <a:endParaRPr lang="en-US" sz="2800" dirty="0">
+              <a:latin typeface="Calibri (Body)"/>
+            </a:endParaRPr>
+          </a:p>
+        </p:txBody>
+      </p:sp>
+    </p:spTree>
+    <p:extLst>
+      <p:ext uri="{BB962C8B-B14F-4D97-AF65-F5344CB8AC3E}">
+        <p14:creationId xmlns:p14="http://schemas.microsoft.com/office/powerpoint/2010/main" val="2828443835"/>
+      </p:ext>
+    </p:extLst>
+  </p:cSld>
+  <p:clrMapOvr>
+    <a:masterClrMapping/>
+  </p:clrMapOvr>
+</p:sld>
+</file>
+
+<file path=ppt/slides/slide29.xml><?xml version="1.0" encoding="utf-8"?>
+<p:sld xmlns:a="http://schemas.openxmlformats.org/drawingml/2006/main" xmlns:r="http://schemas.openxmlformats.org/officeDocument/2006/relationships" xmlns:p="http://schemas.openxmlformats.org/presentationml/2006/main">
+  <p:cSld>
+    <p:spTree>
+      <p:nvGrpSpPr>
+        <p:cNvPr id="1" name=""/>
+        <p:cNvGrpSpPr/>
+        <p:nvPr/>
+      </p:nvGrpSpPr>
+      <p:grpSpPr>
+        <a:xfrm>
+          <a:off x="0" y="0"/>
+          <a:ext cx="0" cy="0"/>
+          <a:chOff x="0" y="0"/>
+          <a:chExt cx="0" cy="0"/>
+        </a:xfrm>
+      </p:grpSpPr>
+      <p:sp>
+        <p:nvSpPr>
+          <p:cNvPr id="2" name="Title 3">
+            <a:extLst>
+              <a:ext uri="{FF2B5EF4-FFF2-40B4-BE49-F238E27FC236}">
+                <a16:creationId xmlns:a16="http://schemas.microsoft.com/office/drawing/2014/main" id="{D10DF660-D678-95E2-0724-B10EE41958AC}"/>
+              </a:ext>
+            </a:extLst>
+          </p:cNvPr>
+          <p:cNvSpPr txBox="1">
+            <a:spLocks/>
+          </p:cNvSpPr>
+          <p:nvPr/>
+        </p:nvSpPr>
+        <p:spPr>
+          <a:xfrm>
+            <a:off x="838201" y="173876"/>
+            <a:ext cx="10833847" cy="979581"/>
+          </a:xfrm>
+          <a:prstGeom prst="rect">
+            <a:avLst/>
+          </a:prstGeom>
+        </p:spPr>
+        <p:txBody>
+          <a:bodyPr vert="horz" lIns="91440" tIns="45720" rIns="91440" bIns="45720" rtlCol="0" anchor="ctr">
+            <a:normAutofit/>
+          </a:bodyPr>
+          <a:lstStyle>
+            <a:lvl1pPr algn="l" defTabSz="914400" rtl="0" eaLnBrk="1" latinLnBrk="0" hangingPunct="1">
+              <a:lnSpc>
+                <a:spcPct val="90000"/>
+              </a:lnSpc>
+              <a:spcBef>
+                <a:spcPct val="0"/>
+              </a:spcBef>
+              <a:buNone/>
+              <a:defRPr sz="4400" kern="1200">
+                <a:solidFill>
+                  <a:schemeClr val="tx1"/>
+                </a:solidFill>
+                <a:latin typeface="+mj-lt"/>
+                <a:ea typeface="+mj-ea"/>
+                <a:cs typeface="+mj-cs"/>
+              </a:defRPr>
+            </a:lvl1pPr>
+          </a:lstStyle>
+          <a:p>
+            <a:r>
+              <a:rPr lang="en-US" sz="4000"/>
+              <a:t>Automated Grading</a:t>
+            </a:r>
+          </a:p>
+        </p:txBody>
+      </p:sp>
+      <p:pic>
+        <p:nvPicPr>
+          <p:cNvPr id="5" name="Picture 4">
+            <a:extLst>
+              <a:ext uri="{FF2B5EF4-FFF2-40B4-BE49-F238E27FC236}">
+                <a16:creationId xmlns:a16="http://schemas.microsoft.com/office/drawing/2014/main" id="{7B474D87-F3C8-AA94-A043-D2E9B88BD296}"/>
+              </a:ext>
+            </a:extLst>
+          </p:cNvPr>
+          <p:cNvPicPr>
+            <a:picLocks noChangeAspect="1"/>
+          </p:cNvPicPr>
+          <p:nvPr/>
+        </p:nvPicPr>
+        <p:blipFill>
+          <a:blip r:embed="rId2"/>
+          <a:stretch>
+            <a:fillRect/>
+          </a:stretch>
+        </p:blipFill>
+        <p:spPr>
+          <a:xfrm>
+            <a:off x="1659699" y="1227251"/>
+            <a:ext cx="8437690" cy="4651765"/>
+          </a:xfrm>
+          <a:prstGeom prst="rect">
+            <a:avLst/>
+          </a:prstGeom>
+          <a:ln>
+            <a:solidFill>
+              <a:schemeClr val="tx2">
+                <a:lumMod val="50000"/>
+              </a:schemeClr>
+            </a:solidFill>
+          </a:ln>
+        </p:spPr>
+      </p:pic>
+    </p:spTree>
+    <p:extLst>
+      <p:ext uri="{BB962C8B-B14F-4D97-AF65-F5344CB8AC3E}">
+        <p14:creationId xmlns:p14="http://schemas.microsoft.com/office/powerpoint/2010/main" val="4022940001"/>
+      </p:ext>
+    </p:extLst>
+  </p:cSld>
+  <p:clrMapOvr>
+    <a:masterClrMapping/>
+  </p:clrMapOvr>
+</p:sld>
+</file>
+
 <file path=ppt/slides/slide3.xml><?xml version="1.0" encoding="utf-8"?>
 <p:sld xmlns:a="http://schemas.openxmlformats.org/drawingml/2006/main" xmlns:r="http://schemas.openxmlformats.org/officeDocument/2006/relationships" xmlns:p="http://schemas.openxmlformats.org/presentationml/2006/main">
   <p:cSld>
@@ -4976,6 +6708,1029 @@
     <p:extLst>
       <p:ext uri="{BB962C8B-B14F-4D97-AF65-F5344CB8AC3E}">
         <p14:creationId xmlns:p14="http://schemas.microsoft.com/office/powerpoint/2010/main" val="3334747285"/>
+      </p:ext>
+    </p:extLst>
+  </p:cSld>
+  <p:clrMapOvr>
+    <a:masterClrMapping/>
+  </p:clrMapOvr>
+</p:sld>
+</file>
+
+<file path=ppt/slides/slide30.xml><?xml version="1.0" encoding="utf-8"?>
+<p:sld xmlns:a="http://schemas.openxmlformats.org/drawingml/2006/main" xmlns:r="http://schemas.openxmlformats.org/officeDocument/2006/relationships" xmlns:p="http://schemas.openxmlformats.org/presentationml/2006/main">
+  <p:cSld>
+    <p:spTree>
+      <p:nvGrpSpPr>
+        <p:cNvPr id="1" name=""/>
+        <p:cNvGrpSpPr/>
+        <p:nvPr/>
+      </p:nvGrpSpPr>
+      <p:grpSpPr>
+        <a:xfrm>
+          <a:off x="0" y="0"/>
+          <a:ext cx="0" cy="0"/>
+          <a:chOff x="0" y="0"/>
+          <a:chExt cx="0" cy="0"/>
+        </a:xfrm>
+      </p:grpSpPr>
+      <p:sp>
+        <p:nvSpPr>
+          <p:cNvPr id="2" name="Title 3">
+            <a:extLst>
+              <a:ext uri="{FF2B5EF4-FFF2-40B4-BE49-F238E27FC236}">
+                <a16:creationId xmlns:a16="http://schemas.microsoft.com/office/drawing/2014/main" id="{D10DF660-D678-95E2-0724-B10EE41958AC}"/>
+              </a:ext>
+            </a:extLst>
+          </p:cNvPr>
+          <p:cNvSpPr txBox="1">
+            <a:spLocks/>
+          </p:cNvSpPr>
+          <p:nvPr/>
+        </p:nvSpPr>
+        <p:spPr>
+          <a:xfrm>
+            <a:off x="838202" y="173876"/>
+            <a:ext cx="10547958" cy="1009834"/>
+          </a:xfrm>
+          <a:prstGeom prst="rect">
+            <a:avLst/>
+          </a:prstGeom>
+        </p:spPr>
+        <p:txBody>
+          <a:bodyPr vert="horz" lIns="91440" tIns="45720" rIns="91440" bIns="45720" rtlCol="0" anchor="ctr">
+            <a:normAutofit/>
+          </a:bodyPr>
+          <a:lstStyle>
+            <a:lvl1pPr algn="l" defTabSz="914400" rtl="0" eaLnBrk="1" latinLnBrk="0" hangingPunct="1">
+              <a:lnSpc>
+                <a:spcPct val="90000"/>
+              </a:lnSpc>
+              <a:spcBef>
+                <a:spcPct val="0"/>
+              </a:spcBef>
+              <a:buNone/>
+              <a:defRPr sz="4400" kern="1200">
+                <a:solidFill>
+                  <a:schemeClr val="tx1"/>
+                </a:solidFill>
+                <a:latin typeface="+mj-lt"/>
+                <a:ea typeface="+mj-ea"/>
+                <a:cs typeface="+mj-cs"/>
+              </a:defRPr>
+            </a:lvl1pPr>
+          </a:lstStyle>
+          <a:p>
+            <a:r>
+              <a:rPr lang="en-US" sz="3600"/>
+              <a:t>Automated Grading</a:t>
+            </a:r>
+          </a:p>
+        </p:txBody>
+      </p:sp>
+      <p:pic>
+        <p:nvPicPr>
+          <p:cNvPr id="7" name="Picture 6">
+            <a:extLst>
+              <a:ext uri="{FF2B5EF4-FFF2-40B4-BE49-F238E27FC236}">
+                <a16:creationId xmlns:a16="http://schemas.microsoft.com/office/drawing/2014/main" id="{C148562F-B70A-69EC-E880-A6E8B09797A6}"/>
+              </a:ext>
+            </a:extLst>
+          </p:cNvPr>
+          <p:cNvPicPr>
+            <a:picLocks noChangeAspect="1"/>
+          </p:cNvPicPr>
+          <p:nvPr/>
+        </p:nvPicPr>
+        <p:blipFill>
+          <a:blip r:embed="rId2"/>
+          <a:stretch>
+            <a:fillRect/>
+          </a:stretch>
+        </p:blipFill>
+        <p:spPr>
+          <a:xfrm>
+            <a:off x="1014960" y="1281736"/>
+            <a:ext cx="10162080" cy="4294527"/>
+          </a:xfrm>
+          <a:prstGeom prst="rect">
+            <a:avLst/>
+          </a:prstGeom>
+        </p:spPr>
+      </p:pic>
+    </p:spTree>
+    <p:extLst>
+      <p:ext uri="{BB962C8B-B14F-4D97-AF65-F5344CB8AC3E}">
+        <p14:creationId xmlns:p14="http://schemas.microsoft.com/office/powerpoint/2010/main" val="1379861397"/>
+      </p:ext>
+    </p:extLst>
+  </p:cSld>
+  <p:clrMapOvr>
+    <a:masterClrMapping/>
+  </p:clrMapOvr>
+</p:sld>
+</file>
+
+<file path=ppt/slides/slide31.xml><?xml version="1.0" encoding="utf-8"?>
+<p:sld xmlns:a="http://schemas.openxmlformats.org/drawingml/2006/main" xmlns:r="http://schemas.openxmlformats.org/officeDocument/2006/relationships" xmlns:p="http://schemas.openxmlformats.org/presentationml/2006/main">
+  <p:cSld>
+    <p:spTree>
+      <p:nvGrpSpPr>
+        <p:cNvPr id="1" name=""/>
+        <p:cNvGrpSpPr/>
+        <p:nvPr/>
+      </p:nvGrpSpPr>
+      <p:grpSpPr>
+        <a:xfrm>
+          <a:off x="0" y="0"/>
+          <a:ext cx="0" cy="0"/>
+          <a:chOff x="0" y="0"/>
+          <a:chExt cx="0" cy="0"/>
+        </a:xfrm>
+      </p:grpSpPr>
+      <p:sp>
+        <p:nvSpPr>
+          <p:cNvPr id="2" name="Title 3">
+            <a:extLst>
+              <a:ext uri="{FF2B5EF4-FFF2-40B4-BE49-F238E27FC236}">
+                <a16:creationId xmlns:a16="http://schemas.microsoft.com/office/drawing/2014/main" id="{D10DF660-D678-95E2-0724-B10EE41958AC}"/>
+              </a:ext>
+            </a:extLst>
+          </p:cNvPr>
+          <p:cNvSpPr txBox="1">
+            <a:spLocks/>
+          </p:cNvSpPr>
+          <p:nvPr/>
+        </p:nvSpPr>
+        <p:spPr>
+          <a:xfrm>
+            <a:off x="388307" y="173876"/>
+            <a:ext cx="11283741" cy="706658"/>
+          </a:xfrm>
+          <a:prstGeom prst="rect">
+            <a:avLst/>
+          </a:prstGeom>
+        </p:spPr>
+        <p:txBody>
+          <a:bodyPr vert="horz" lIns="91440" tIns="45720" rIns="91440" bIns="45720" rtlCol="0" anchor="ctr">
+            <a:normAutofit/>
+          </a:bodyPr>
+          <a:lstStyle>
+            <a:lvl1pPr algn="l" defTabSz="914400" rtl="0" eaLnBrk="1" latinLnBrk="0" hangingPunct="1">
+              <a:lnSpc>
+                <a:spcPct val="90000"/>
+              </a:lnSpc>
+              <a:spcBef>
+                <a:spcPct val="0"/>
+              </a:spcBef>
+              <a:buNone/>
+              <a:defRPr sz="4400" kern="1200">
+                <a:solidFill>
+                  <a:schemeClr val="tx1"/>
+                </a:solidFill>
+                <a:latin typeface="+mj-lt"/>
+                <a:ea typeface="+mj-ea"/>
+                <a:cs typeface="+mj-cs"/>
+              </a:defRPr>
+            </a:lvl1pPr>
+          </a:lstStyle>
+          <a:p>
+            <a:r>
+              <a:rPr lang="en-US" sz="3600"/>
+              <a:t>Automated Grading</a:t>
+            </a:r>
+          </a:p>
+        </p:txBody>
+      </p:sp>
+      <p:pic>
+        <p:nvPicPr>
+          <p:cNvPr id="8" name="Picture 7">
+            <a:extLst>
+              <a:ext uri="{FF2B5EF4-FFF2-40B4-BE49-F238E27FC236}">
+                <a16:creationId xmlns:a16="http://schemas.microsoft.com/office/drawing/2014/main" id="{9F6412A0-B38A-39C7-C5DD-69BA47BCCD9A}"/>
+              </a:ext>
+            </a:extLst>
+          </p:cNvPr>
+          <p:cNvPicPr>
+            <a:picLocks noChangeAspect="1"/>
+          </p:cNvPicPr>
+          <p:nvPr/>
+        </p:nvPicPr>
+        <p:blipFill>
+          <a:blip r:embed="rId2"/>
+          <a:stretch>
+            <a:fillRect/>
+          </a:stretch>
+        </p:blipFill>
+        <p:spPr>
+          <a:xfrm>
+            <a:off x="388307" y="2377996"/>
+            <a:ext cx="11490029" cy="1051004"/>
+          </a:xfrm>
+          <a:prstGeom prst="rect">
+            <a:avLst/>
+          </a:prstGeom>
+          <a:ln>
+            <a:solidFill>
+              <a:schemeClr val="accent1">
+                <a:lumMod val="50000"/>
+              </a:schemeClr>
+            </a:solidFill>
+          </a:ln>
+        </p:spPr>
+      </p:pic>
+      <p:sp>
+        <p:nvSpPr>
+          <p:cNvPr id="9" name="Title 3">
+            <a:extLst>
+              <a:ext uri="{FF2B5EF4-FFF2-40B4-BE49-F238E27FC236}">
+                <a16:creationId xmlns:a16="http://schemas.microsoft.com/office/drawing/2014/main" id="{485F126F-3421-2778-CD1F-B8A2C7741159}"/>
+              </a:ext>
+            </a:extLst>
+          </p:cNvPr>
+          <p:cNvSpPr>
+            <a:spLocks noGrp="1"/>
+          </p:cNvSpPr>
+          <p:nvPr>
+            <p:ph type="title"/>
+          </p:nvPr>
+        </p:nvSpPr>
+        <p:spPr>
+          <a:xfrm>
+            <a:off x="594986" y="1115880"/>
+            <a:ext cx="8974899" cy="706658"/>
+          </a:xfrm>
+        </p:spPr>
+        <p:txBody>
+          <a:bodyPr>
+            <a:normAutofit/>
+          </a:bodyPr>
+          <a:lstStyle/>
+          <a:p>
+            <a:pPr marL="284163" indent="-284163">
+              <a:buFont typeface="Arial" panose="020B0604020202020204" pitchFamily="34" charset="0"/>
+              <a:buChar char="•"/>
+            </a:pPr>
+            <a:r>
+              <a:rPr lang="en-US" sz="2800">
+                <a:latin typeface="Calibri (Body)"/>
+              </a:rPr>
+              <a:t>To see test details, click on the         icon.</a:t>
+            </a:r>
+            <a:endParaRPr lang="en-US" sz="2800" dirty="0">
+              <a:latin typeface="Calibri (Body)"/>
+            </a:endParaRPr>
+          </a:p>
+        </p:txBody>
+      </p:sp>
+      <p:pic>
+        <p:nvPicPr>
+          <p:cNvPr id="11" name="Picture 10">
+            <a:extLst>
+              <a:ext uri="{FF2B5EF4-FFF2-40B4-BE49-F238E27FC236}">
+                <a16:creationId xmlns:a16="http://schemas.microsoft.com/office/drawing/2014/main" id="{30AEC3D8-BAC1-01DF-FBAB-1F1748B1266E}"/>
+              </a:ext>
+            </a:extLst>
+          </p:cNvPr>
+          <p:cNvPicPr>
+            <a:picLocks noChangeAspect="1"/>
+          </p:cNvPicPr>
+          <p:nvPr/>
+        </p:nvPicPr>
+        <p:blipFill>
+          <a:blip r:embed="rId3"/>
+          <a:stretch>
+            <a:fillRect/>
+          </a:stretch>
+        </p:blipFill>
+        <p:spPr>
+          <a:xfrm>
+            <a:off x="5361520" y="1168975"/>
+            <a:ext cx="668657" cy="551642"/>
+          </a:xfrm>
+          <a:prstGeom prst="rect">
+            <a:avLst/>
+          </a:prstGeom>
+        </p:spPr>
+      </p:pic>
+      <p:sp>
+        <p:nvSpPr>
+          <p:cNvPr id="12" name="Oval 11">
+            <a:extLst>
+              <a:ext uri="{FF2B5EF4-FFF2-40B4-BE49-F238E27FC236}">
+                <a16:creationId xmlns:a16="http://schemas.microsoft.com/office/drawing/2014/main" id="{C095FA7F-EE74-996E-9AAD-FCFB1810250C}"/>
+              </a:ext>
+            </a:extLst>
+          </p:cNvPr>
+          <p:cNvSpPr/>
+          <p:nvPr/>
+        </p:nvSpPr>
+        <p:spPr>
+          <a:xfrm>
+            <a:off x="6551112" y="2812093"/>
+            <a:ext cx="576198" cy="713984"/>
+          </a:xfrm>
+          <a:prstGeom prst="ellipse">
+            <a:avLst/>
+          </a:prstGeom>
+          <a:noFill/>
+          <a:ln w="38100">
+            <a:solidFill>
+              <a:srgbClr val="FF0000"/>
+            </a:solidFill>
+          </a:ln>
+        </p:spPr>
+        <p:style>
+          <a:lnRef idx="2">
+            <a:schemeClr val="accent1">
+              <a:shade val="15000"/>
+            </a:schemeClr>
+          </a:lnRef>
+          <a:fillRef idx="1">
+            <a:schemeClr val="accent1"/>
+          </a:fillRef>
+          <a:effectRef idx="0">
+            <a:schemeClr val="accent1"/>
+          </a:effectRef>
+          <a:fontRef idx="minor">
+            <a:schemeClr val="lt1"/>
+          </a:fontRef>
+        </p:style>
+        <p:txBody>
+          <a:bodyPr rtlCol="0" anchor="ctr"/>
+          <a:lstStyle/>
+          <a:p>
+            <a:pPr algn="ctr"/>
+            <a:endParaRPr lang="en-US"/>
+          </a:p>
+        </p:txBody>
+      </p:sp>
+    </p:spTree>
+    <p:extLst>
+      <p:ext uri="{BB962C8B-B14F-4D97-AF65-F5344CB8AC3E}">
+        <p14:creationId xmlns:p14="http://schemas.microsoft.com/office/powerpoint/2010/main" val="1386208015"/>
+      </p:ext>
+    </p:extLst>
+  </p:cSld>
+  <p:clrMapOvr>
+    <a:masterClrMapping/>
+  </p:clrMapOvr>
+</p:sld>
+</file>
+
+<file path=ppt/slides/slide32.xml><?xml version="1.0" encoding="utf-8"?>
+<p:sld xmlns:a="http://schemas.openxmlformats.org/drawingml/2006/main" xmlns:r="http://schemas.openxmlformats.org/officeDocument/2006/relationships" xmlns:p="http://schemas.openxmlformats.org/presentationml/2006/main">
+  <p:cSld>
+    <p:spTree>
+      <p:nvGrpSpPr>
+        <p:cNvPr id="1" name=""/>
+        <p:cNvGrpSpPr/>
+        <p:nvPr/>
+      </p:nvGrpSpPr>
+      <p:grpSpPr>
+        <a:xfrm>
+          <a:off x="0" y="0"/>
+          <a:ext cx="0" cy="0"/>
+          <a:chOff x="0" y="0"/>
+          <a:chExt cx="0" cy="0"/>
+        </a:xfrm>
+      </p:grpSpPr>
+      <p:sp>
+        <p:nvSpPr>
+          <p:cNvPr id="2" name="Title 3">
+            <a:extLst>
+              <a:ext uri="{FF2B5EF4-FFF2-40B4-BE49-F238E27FC236}">
+                <a16:creationId xmlns:a16="http://schemas.microsoft.com/office/drawing/2014/main" id="{D10DF660-D678-95E2-0724-B10EE41958AC}"/>
+              </a:ext>
+            </a:extLst>
+          </p:cNvPr>
+          <p:cNvSpPr txBox="1">
+            <a:spLocks/>
+          </p:cNvSpPr>
+          <p:nvPr/>
+        </p:nvSpPr>
+        <p:spPr>
+          <a:xfrm>
+            <a:off x="388307" y="173876"/>
+            <a:ext cx="11283741" cy="706658"/>
+          </a:xfrm>
+          <a:prstGeom prst="rect">
+            <a:avLst/>
+          </a:prstGeom>
+        </p:spPr>
+        <p:txBody>
+          <a:bodyPr vert="horz" lIns="91440" tIns="45720" rIns="91440" bIns="45720" rtlCol="0" anchor="ctr">
+            <a:normAutofit/>
+          </a:bodyPr>
+          <a:lstStyle>
+            <a:lvl1pPr algn="l" defTabSz="914400" rtl="0" eaLnBrk="1" latinLnBrk="0" hangingPunct="1">
+              <a:lnSpc>
+                <a:spcPct val="90000"/>
+              </a:lnSpc>
+              <a:spcBef>
+                <a:spcPct val="0"/>
+              </a:spcBef>
+              <a:buNone/>
+              <a:defRPr sz="4400" kern="1200">
+                <a:solidFill>
+                  <a:schemeClr val="tx1"/>
+                </a:solidFill>
+                <a:latin typeface="+mj-lt"/>
+                <a:ea typeface="+mj-ea"/>
+                <a:cs typeface="+mj-cs"/>
+              </a:defRPr>
+            </a:lvl1pPr>
+          </a:lstStyle>
+          <a:p>
+            <a:r>
+              <a:rPr lang="en-US" sz="3600"/>
+              <a:t>Automated Grading</a:t>
+            </a:r>
+          </a:p>
+        </p:txBody>
+      </p:sp>
+      <p:sp>
+        <p:nvSpPr>
+          <p:cNvPr id="9" name="Title 3">
+            <a:extLst>
+              <a:ext uri="{FF2B5EF4-FFF2-40B4-BE49-F238E27FC236}">
+                <a16:creationId xmlns:a16="http://schemas.microsoft.com/office/drawing/2014/main" id="{485F126F-3421-2778-CD1F-B8A2C7741159}"/>
+              </a:ext>
+            </a:extLst>
+          </p:cNvPr>
+          <p:cNvSpPr>
+            <a:spLocks noGrp="1"/>
+          </p:cNvSpPr>
+          <p:nvPr>
+            <p:ph type="title"/>
+          </p:nvPr>
+        </p:nvSpPr>
+        <p:spPr>
+          <a:xfrm>
+            <a:off x="594986" y="1115880"/>
+            <a:ext cx="8974899" cy="706658"/>
+          </a:xfrm>
+        </p:spPr>
+        <p:txBody>
+          <a:bodyPr>
+            <a:normAutofit/>
+          </a:bodyPr>
+          <a:lstStyle/>
+          <a:p>
+            <a:pPr marL="284163" indent="-284163">
+              <a:buFont typeface="Arial" panose="020B0604020202020204" pitchFamily="34" charset="0"/>
+              <a:buChar char="•"/>
+            </a:pPr>
+            <a:r>
+              <a:rPr lang="en-US" sz="2800">
+                <a:latin typeface="Calibri (Body)"/>
+              </a:rPr>
+              <a:t>Failed tests are marked with an X, which you can click on</a:t>
+            </a:r>
+            <a:endParaRPr lang="en-US" sz="2800" dirty="0">
+              <a:latin typeface="Calibri (Body)"/>
+            </a:endParaRPr>
+          </a:p>
+        </p:txBody>
+      </p:sp>
+      <p:pic>
+        <p:nvPicPr>
+          <p:cNvPr id="6" name="Picture 5">
+            <a:extLst>
+              <a:ext uri="{FF2B5EF4-FFF2-40B4-BE49-F238E27FC236}">
+                <a16:creationId xmlns:a16="http://schemas.microsoft.com/office/drawing/2014/main" id="{550118A8-B584-5CA9-84CD-EEF8F5CB5FD3}"/>
+              </a:ext>
+            </a:extLst>
+          </p:cNvPr>
+          <p:cNvPicPr>
+            <a:picLocks noChangeAspect="1"/>
+          </p:cNvPicPr>
+          <p:nvPr/>
+        </p:nvPicPr>
+        <p:blipFill>
+          <a:blip r:embed="rId2"/>
+          <a:stretch>
+            <a:fillRect/>
+          </a:stretch>
+        </p:blipFill>
+        <p:spPr>
+          <a:xfrm>
+            <a:off x="952741" y="2886167"/>
+            <a:ext cx="10154871" cy="1513599"/>
+          </a:xfrm>
+          <a:prstGeom prst="rect">
+            <a:avLst/>
+          </a:prstGeom>
+        </p:spPr>
+      </p:pic>
+      <p:sp>
+        <p:nvSpPr>
+          <p:cNvPr id="12" name="Oval 11">
+            <a:extLst>
+              <a:ext uri="{FF2B5EF4-FFF2-40B4-BE49-F238E27FC236}">
+                <a16:creationId xmlns:a16="http://schemas.microsoft.com/office/drawing/2014/main" id="{C095FA7F-EE74-996E-9AAD-FCFB1810250C}"/>
+              </a:ext>
+            </a:extLst>
+          </p:cNvPr>
+          <p:cNvSpPr/>
+          <p:nvPr/>
+        </p:nvSpPr>
+        <p:spPr>
+          <a:xfrm>
+            <a:off x="7282774" y="2542162"/>
+            <a:ext cx="1692613" cy="1744493"/>
+          </a:xfrm>
+          <a:prstGeom prst="ellipse">
+            <a:avLst/>
+          </a:prstGeom>
+          <a:noFill/>
+          <a:ln w="38100">
+            <a:solidFill>
+              <a:srgbClr val="FF0000"/>
+            </a:solidFill>
+          </a:ln>
+        </p:spPr>
+        <p:style>
+          <a:lnRef idx="2">
+            <a:schemeClr val="accent1">
+              <a:shade val="15000"/>
+            </a:schemeClr>
+          </a:lnRef>
+          <a:fillRef idx="1">
+            <a:schemeClr val="accent1"/>
+          </a:fillRef>
+          <a:effectRef idx="0">
+            <a:schemeClr val="accent1"/>
+          </a:effectRef>
+          <a:fontRef idx="minor">
+            <a:schemeClr val="lt1"/>
+          </a:fontRef>
+        </p:style>
+        <p:txBody>
+          <a:bodyPr rtlCol="0" anchor="ctr"/>
+          <a:lstStyle/>
+          <a:p>
+            <a:pPr algn="ctr"/>
+            <a:endParaRPr lang="en-US"/>
+          </a:p>
+        </p:txBody>
+      </p:sp>
+    </p:spTree>
+    <p:extLst>
+      <p:ext uri="{BB962C8B-B14F-4D97-AF65-F5344CB8AC3E}">
+        <p14:creationId xmlns:p14="http://schemas.microsoft.com/office/powerpoint/2010/main" val="4116624295"/>
+      </p:ext>
+    </p:extLst>
+  </p:cSld>
+  <p:clrMapOvr>
+    <a:masterClrMapping/>
+  </p:clrMapOvr>
+</p:sld>
+</file>
+
+<file path=ppt/slides/slide33.xml><?xml version="1.0" encoding="utf-8"?>
+<p:sld xmlns:a="http://schemas.openxmlformats.org/drawingml/2006/main" xmlns:r="http://schemas.openxmlformats.org/officeDocument/2006/relationships" xmlns:p="http://schemas.openxmlformats.org/presentationml/2006/main">
+  <p:cSld>
+    <p:spTree>
+      <p:nvGrpSpPr>
+        <p:cNvPr id="1" name=""/>
+        <p:cNvGrpSpPr/>
+        <p:nvPr/>
+      </p:nvGrpSpPr>
+      <p:grpSpPr>
+        <a:xfrm>
+          <a:off x="0" y="0"/>
+          <a:ext cx="0" cy="0"/>
+          <a:chOff x="0" y="0"/>
+          <a:chExt cx="0" cy="0"/>
+        </a:xfrm>
+      </p:grpSpPr>
+      <p:sp>
+        <p:nvSpPr>
+          <p:cNvPr id="2" name="Title 3">
+            <a:extLst>
+              <a:ext uri="{FF2B5EF4-FFF2-40B4-BE49-F238E27FC236}">
+                <a16:creationId xmlns:a16="http://schemas.microsoft.com/office/drawing/2014/main" id="{D10DF660-D678-95E2-0724-B10EE41958AC}"/>
+              </a:ext>
+            </a:extLst>
+          </p:cNvPr>
+          <p:cNvSpPr txBox="1">
+            <a:spLocks/>
+          </p:cNvSpPr>
+          <p:nvPr/>
+        </p:nvSpPr>
+        <p:spPr>
+          <a:xfrm>
+            <a:off x="388307" y="173876"/>
+            <a:ext cx="11283741" cy="706658"/>
+          </a:xfrm>
+          <a:prstGeom prst="rect">
+            <a:avLst/>
+          </a:prstGeom>
+        </p:spPr>
+        <p:txBody>
+          <a:bodyPr vert="horz" lIns="91440" tIns="45720" rIns="91440" bIns="45720" rtlCol="0" anchor="ctr">
+            <a:normAutofit/>
+          </a:bodyPr>
+          <a:lstStyle>
+            <a:lvl1pPr algn="l" defTabSz="914400" rtl="0" eaLnBrk="1" latinLnBrk="0" hangingPunct="1">
+              <a:lnSpc>
+                <a:spcPct val="90000"/>
+              </a:lnSpc>
+              <a:spcBef>
+                <a:spcPct val="0"/>
+              </a:spcBef>
+              <a:buNone/>
+              <a:defRPr sz="4400" kern="1200">
+                <a:solidFill>
+                  <a:schemeClr val="tx1"/>
+                </a:solidFill>
+                <a:latin typeface="+mj-lt"/>
+                <a:ea typeface="+mj-ea"/>
+                <a:cs typeface="+mj-cs"/>
+              </a:defRPr>
+            </a:lvl1pPr>
+          </a:lstStyle>
+          <a:p>
+            <a:r>
+              <a:rPr lang="en-US" sz="3600"/>
+              <a:t>Automated Grading</a:t>
+            </a:r>
+          </a:p>
+        </p:txBody>
+      </p:sp>
+      <p:pic>
+        <p:nvPicPr>
+          <p:cNvPr id="7" name="Picture 6">
+            <a:extLst>
+              <a:ext uri="{FF2B5EF4-FFF2-40B4-BE49-F238E27FC236}">
+                <a16:creationId xmlns:a16="http://schemas.microsoft.com/office/drawing/2014/main" id="{8C1761FD-2722-4148-2B9D-672608285290}"/>
+              </a:ext>
+            </a:extLst>
+          </p:cNvPr>
+          <p:cNvPicPr>
+            <a:picLocks noChangeAspect="1"/>
+          </p:cNvPicPr>
+          <p:nvPr/>
+        </p:nvPicPr>
+        <p:blipFill>
+          <a:blip r:embed="rId2"/>
+          <a:stretch>
+            <a:fillRect/>
+          </a:stretch>
+        </p:blipFill>
+        <p:spPr>
+          <a:xfrm>
+            <a:off x="1861224" y="829263"/>
+            <a:ext cx="8662671" cy="5199474"/>
+          </a:xfrm>
+          <a:prstGeom prst="rect">
+            <a:avLst/>
+          </a:prstGeom>
+          <a:ln>
+            <a:solidFill>
+              <a:schemeClr val="tx2">
+                <a:lumMod val="50000"/>
+              </a:schemeClr>
+            </a:solidFill>
+          </a:ln>
+        </p:spPr>
+      </p:pic>
+    </p:spTree>
+    <p:extLst>
+      <p:ext uri="{BB962C8B-B14F-4D97-AF65-F5344CB8AC3E}">
+        <p14:creationId xmlns:p14="http://schemas.microsoft.com/office/powerpoint/2010/main" val="308005789"/>
+      </p:ext>
+    </p:extLst>
+  </p:cSld>
+  <p:clrMapOvr>
+    <a:masterClrMapping/>
+  </p:clrMapOvr>
+</p:sld>
+</file>
+
+<file path=ppt/slides/slide34.xml><?xml version="1.0" encoding="utf-8"?>
+<p:sld xmlns:a="http://schemas.openxmlformats.org/drawingml/2006/main" xmlns:r="http://schemas.openxmlformats.org/officeDocument/2006/relationships" xmlns:p="http://schemas.openxmlformats.org/presentationml/2006/main">
+  <p:cSld>
+    <p:spTree>
+      <p:nvGrpSpPr>
+        <p:cNvPr id="1" name=""/>
+        <p:cNvGrpSpPr/>
+        <p:nvPr/>
+      </p:nvGrpSpPr>
+      <p:grpSpPr>
+        <a:xfrm>
+          <a:off x="0" y="0"/>
+          <a:ext cx="0" cy="0"/>
+          <a:chOff x="0" y="0"/>
+          <a:chExt cx="0" cy="0"/>
+        </a:xfrm>
+      </p:grpSpPr>
+      <p:sp>
+        <p:nvSpPr>
+          <p:cNvPr id="2" name="Title 3">
+            <a:extLst>
+              <a:ext uri="{FF2B5EF4-FFF2-40B4-BE49-F238E27FC236}">
+                <a16:creationId xmlns:a16="http://schemas.microsoft.com/office/drawing/2014/main" id="{D10DF660-D678-95E2-0724-B10EE41958AC}"/>
+              </a:ext>
+            </a:extLst>
+          </p:cNvPr>
+          <p:cNvSpPr txBox="1">
+            <a:spLocks/>
+          </p:cNvSpPr>
+          <p:nvPr/>
+        </p:nvSpPr>
+        <p:spPr>
+          <a:xfrm>
+            <a:off x="388307" y="173876"/>
+            <a:ext cx="11283741" cy="706658"/>
+          </a:xfrm>
+          <a:prstGeom prst="rect">
+            <a:avLst/>
+          </a:prstGeom>
+        </p:spPr>
+        <p:txBody>
+          <a:bodyPr vert="horz" lIns="91440" tIns="45720" rIns="91440" bIns="45720" rtlCol="0" anchor="ctr">
+            <a:normAutofit/>
+          </a:bodyPr>
+          <a:lstStyle>
+            <a:lvl1pPr algn="l" defTabSz="914400" rtl="0" eaLnBrk="1" latinLnBrk="0" hangingPunct="1">
+              <a:lnSpc>
+                <a:spcPct val="90000"/>
+              </a:lnSpc>
+              <a:spcBef>
+                <a:spcPct val="0"/>
+              </a:spcBef>
+              <a:buNone/>
+              <a:defRPr sz="4400" kern="1200">
+                <a:solidFill>
+                  <a:schemeClr val="tx1"/>
+                </a:solidFill>
+                <a:latin typeface="+mj-lt"/>
+                <a:ea typeface="+mj-ea"/>
+                <a:cs typeface="+mj-cs"/>
+              </a:defRPr>
+            </a:lvl1pPr>
+          </a:lstStyle>
+          <a:p>
+            <a:r>
+              <a:rPr lang="en-US" sz="3600"/>
+              <a:t>Automated Grading</a:t>
+            </a:r>
+          </a:p>
+        </p:txBody>
+      </p:sp>
+      <p:sp>
+        <p:nvSpPr>
+          <p:cNvPr id="9" name="Title 3">
+            <a:extLst>
+              <a:ext uri="{FF2B5EF4-FFF2-40B4-BE49-F238E27FC236}">
+                <a16:creationId xmlns:a16="http://schemas.microsoft.com/office/drawing/2014/main" id="{485F126F-3421-2778-CD1F-B8A2C7741159}"/>
+              </a:ext>
+            </a:extLst>
+          </p:cNvPr>
+          <p:cNvSpPr>
+            <a:spLocks noGrp="1"/>
+          </p:cNvSpPr>
+          <p:nvPr>
+            <p:ph type="title"/>
+          </p:nvPr>
+        </p:nvSpPr>
+        <p:spPr>
+          <a:xfrm>
+            <a:off x="594986" y="1115880"/>
+            <a:ext cx="8974899" cy="706658"/>
+          </a:xfrm>
+        </p:spPr>
+        <p:txBody>
+          <a:bodyPr>
+            <a:normAutofit fontScale="90000"/>
+          </a:bodyPr>
+          <a:lstStyle/>
+          <a:p>
+            <a:pPr marL="284163" indent="-284163">
+              <a:buFont typeface="Arial" panose="020B0604020202020204" pitchFamily="34" charset="0"/>
+              <a:buChar char="•"/>
+            </a:pPr>
+            <a:r>
+              <a:rPr lang="en-US" sz="2800">
+                <a:latin typeface="Calibri (Body)"/>
+              </a:rPr>
+              <a:t>Successful tests are marked with a green checkmark, which you can also click on</a:t>
+            </a:r>
+            <a:endParaRPr lang="en-US" sz="2800" dirty="0">
+              <a:latin typeface="Calibri (Body)"/>
+            </a:endParaRPr>
+          </a:p>
+        </p:txBody>
+      </p:sp>
+      <p:pic>
+        <p:nvPicPr>
+          <p:cNvPr id="4" name="Picture 3">
+            <a:extLst>
+              <a:ext uri="{FF2B5EF4-FFF2-40B4-BE49-F238E27FC236}">
+                <a16:creationId xmlns:a16="http://schemas.microsoft.com/office/drawing/2014/main" id="{441EB11F-AECD-EC2A-D441-A6FDA33313E7}"/>
+              </a:ext>
+            </a:extLst>
+          </p:cNvPr>
+          <p:cNvPicPr>
+            <a:picLocks noChangeAspect="1"/>
+          </p:cNvPicPr>
+          <p:nvPr/>
+        </p:nvPicPr>
+        <p:blipFill>
+          <a:blip r:embed="rId2"/>
+          <a:stretch>
+            <a:fillRect/>
+          </a:stretch>
+        </p:blipFill>
+        <p:spPr>
+          <a:xfrm>
+            <a:off x="729315" y="2739132"/>
+            <a:ext cx="10136170" cy="1736727"/>
+          </a:xfrm>
+          <a:prstGeom prst="rect">
+            <a:avLst/>
+          </a:prstGeom>
+        </p:spPr>
+      </p:pic>
+      <p:sp>
+        <p:nvSpPr>
+          <p:cNvPr id="5" name="Oval 4">
+            <a:extLst>
+              <a:ext uri="{FF2B5EF4-FFF2-40B4-BE49-F238E27FC236}">
+                <a16:creationId xmlns:a16="http://schemas.microsoft.com/office/drawing/2014/main" id="{F31D7ADE-668D-D890-CF19-95E1DEA1D6E8}"/>
+              </a:ext>
+            </a:extLst>
+          </p:cNvPr>
+          <p:cNvSpPr/>
+          <p:nvPr/>
+        </p:nvSpPr>
+        <p:spPr>
+          <a:xfrm>
+            <a:off x="7282775" y="3482236"/>
+            <a:ext cx="690042" cy="679159"/>
+          </a:xfrm>
+          <a:prstGeom prst="ellipse">
+            <a:avLst/>
+          </a:prstGeom>
+          <a:noFill/>
+          <a:ln w="38100">
+            <a:solidFill>
+              <a:srgbClr val="FF0000"/>
+            </a:solidFill>
+          </a:ln>
+        </p:spPr>
+        <p:style>
+          <a:lnRef idx="2">
+            <a:schemeClr val="accent1">
+              <a:shade val="15000"/>
+            </a:schemeClr>
+          </a:lnRef>
+          <a:fillRef idx="1">
+            <a:schemeClr val="accent1"/>
+          </a:fillRef>
+          <a:effectRef idx="0">
+            <a:schemeClr val="accent1"/>
+          </a:effectRef>
+          <a:fontRef idx="minor">
+            <a:schemeClr val="lt1"/>
+          </a:fontRef>
+        </p:style>
+        <p:txBody>
+          <a:bodyPr rtlCol="0" anchor="ctr"/>
+          <a:lstStyle/>
+          <a:p>
+            <a:pPr algn="ctr"/>
+            <a:endParaRPr lang="en-US"/>
+          </a:p>
+        </p:txBody>
+      </p:sp>
+    </p:spTree>
+    <p:extLst>
+      <p:ext uri="{BB962C8B-B14F-4D97-AF65-F5344CB8AC3E}">
+        <p14:creationId xmlns:p14="http://schemas.microsoft.com/office/powerpoint/2010/main" val="287497578"/>
+      </p:ext>
+    </p:extLst>
+  </p:cSld>
+  <p:clrMapOvr>
+    <a:masterClrMapping/>
+  </p:clrMapOvr>
+</p:sld>
+</file>
+
+<file path=ppt/slides/slide35.xml><?xml version="1.0" encoding="utf-8"?>
+<p:sld xmlns:a="http://schemas.openxmlformats.org/drawingml/2006/main" xmlns:r="http://schemas.openxmlformats.org/officeDocument/2006/relationships" xmlns:p="http://schemas.openxmlformats.org/presentationml/2006/main">
+  <p:cSld>
+    <p:spTree>
+      <p:nvGrpSpPr>
+        <p:cNvPr id="1" name=""/>
+        <p:cNvGrpSpPr/>
+        <p:nvPr/>
+      </p:nvGrpSpPr>
+      <p:grpSpPr>
+        <a:xfrm>
+          <a:off x="0" y="0"/>
+          <a:ext cx="0" cy="0"/>
+          <a:chOff x="0" y="0"/>
+          <a:chExt cx="0" cy="0"/>
+        </a:xfrm>
+      </p:grpSpPr>
+      <p:sp>
+        <p:nvSpPr>
+          <p:cNvPr id="2" name="Title 3">
+            <a:extLst>
+              <a:ext uri="{FF2B5EF4-FFF2-40B4-BE49-F238E27FC236}">
+                <a16:creationId xmlns:a16="http://schemas.microsoft.com/office/drawing/2014/main" id="{D10DF660-D678-95E2-0724-B10EE41958AC}"/>
+              </a:ext>
+            </a:extLst>
+          </p:cNvPr>
+          <p:cNvSpPr txBox="1">
+            <a:spLocks/>
+          </p:cNvSpPr>
+          <p:nvPr/>
+        </p:nvSpPr>
+        <p:spPr>
+          <a:xfrm>
+            <a:off x="388307" y="173876"/>
+            <a:ext cx="11283741" cy="706658"/>
+          </a:xfrm>
+          <a:prstGeom prst="rect">
+            <a:avLst/>
+          </a:prstGeom>
+        </p:spPr>
+        <p:txBody>
+          <a:bodyPr vert="horz" lIns="91440" tIns="45720" rIns="91440" bIns="45720" rtlCol="0" anchor="ctr">
+            <a:normAutofit/>
+          </a:bodyPr>
+          <a:lstStyle>
+            <a:lvl1pPr algn="l" defTabSz="914400" rtl="0" eaLnBrk="1" latinLnBrk="0" hangingPunct="1">
+              <a:lnSpc>
+                <a:spcPct val="90000"/>
+              </a:lnSpc>
+              <a:spcBef>
+                <a:spcPct val="0"/>
+              </a:spcBef>
+              <a:buNone/>
+              <a:defRPr sz="4400" kern="1200">
+                <a:solidFill>
+                  <a:schemeClr val="tx1"/>
+                </a:solidFill>
+                <a:latin typeface="+mj-lt"/>
+                <a:ea typeface="+mj-ea"/>
+                <a:cs typeface="+mj-cs"/>
+              </a:defRPr>
+            </a:lvl1pPr>
+          </a:lstStyle>
+          <a:p>
+            <a:r>
+              <a:rPr lang="en-US" sz="3600"/>
+              <a:t>Automated Grading</a:t>
+            </a:r>
+          </a:p>
+        </p:txBody>
+      </p:sp>
+      <p:pic>
+        <p:nvPicPr>
+          <p:cNvPr id="11" name="Picture 10">
+            <a:extLst>
+              <a:ext uri="{FF2B5EF4-FFF2-40B4-BE49-F238E27FC236}">
+                <a16:creationId xmlns:a16="http://schemas.microsoft.com/office/drawing/2014/main" id="{EF6428A4-19E6-FFD6-3E0A-1BD7C43A6A99}"/>
+              </a:ext>
+            </a:extLst>
+          </p:cNvPr>
+          <p:cNvPicPr>
+            <a:picLocks noChangeAspect="1"/>
+          </p:cNvPicPr>
+          <p:nvPr/>
+        </p:nvPicPr>
+        <p:blipFill>
+          <a:blip r:embed="rId2"/>
+          <a:stretch>
+            <a:fillRect/>
+          </a:stretch>
+        </p:blipFill>
+        <p:spPr>
+          <a:xfrm>
+            <a:off x="1053061" y="1376989"/>
+            <a:ext cx="10085878" cy="4104022"/>
+          </a:xfrm>
+          <a:prstGeom prst="rect">
+            <a:avLst/>
+          </a:prstGeom>
+          <a:ln>
+            <a:solidFill>
+              <a:schemeClr val="tx2">
+                <a:lumMod val="50000"/>
+              </a:schemeClr>
+            </a:solidFill>
+          </a:ln>
+        </p:spPr>
+      </p:pic>
+    </p:spTree>
+    <p:extLst>
+      <p:ext uri="{BB962C8B-B14F-4D97-AF65-F5344CB8AC3E}">
+        <p14:creationId xmlns:p14="http://schemas.microsoft.com/office/powerpoint/2010/main" val="686752802"/>
       </p:ext>
     </p:extLst>
   </p:cSld>
